--- a/docs/diagrams/PairClassDiagram.pptx
+++ b/docs/diagrams/PairClassDiagram.pptx
@@ -261,7 +261,7 @@
           <a:p>
             <a:fld id="{40C39A02-4836-4393-A3A4-9294DF1CF6ED}" type="datetimeFigureOut">
               <a:rPr lang="en-SG" smtClean="0"/>
-              <a:t>9/4/2018</a:t>
+              <a:t>11/4/2018</a:t>
             </a:fld>
             <a:endParaRPr lang="en-SG"/>
           </a:p>
@@ -461,7 +461,7 @@
           <a:p>
             <a:fld id="{40C39A02-4836-4393-A3A4-9294DF1CF6ED}" type="datetimeFigureOut">
               <a:rPr lang="en-SG" smtClean="0"/>
-              <a:t>9/4/2018</a:t>
+              <a:t>11/4/2018</a:t>
             </a:fld>
             <a:endParaRPr lang="en-SG"/>
           </a:p>
@@ -671,7 +671,7 @@
           <a:p>
             <a:fld id="{40C39A02-4836-4393-A3A4-9294DF1CF6ED}" type="datetimeFigureOut">
               <a:rPr lang="en-SG" smtClean="0"/>
-              <a:t>9/4/2018</a:t>
+              <a:t>11/4/2018</a:t>
             </a:fld>
             <a:endParaRPr lang="en-SG"/>
           </a:p>
@@ -871,7 +871,7 @@
           <a:p>
             <a:fld id="{40C39A02-4836-4393-A3A4-9294DF1CF6ED}" type="datetimeFigureOut">
               <a:rPr lang="en-SG" smtClean="0"/>
-              <a:t>9/4/2018</a:t>
+              <a:t>11/4/2018</a:t>
             </a:fld>
             <a:endParaRPr lang="en-SG"/>
           </a:p>
@@ -1147,7 +1147,7 @@
           <a:p>
             <a:fld id="{40C39A02-4836-4393-A3A4-9294DF1CF6ED}" type="datetimeFigureOut">
               <a:rPr lang="en-SG" smtClean="0"/>
-              <a:t>9/4/2018</a:t>
+              <a:t>11/4/2018</a:t>
             </a:fld>
             <a:endParaRPr lang="en-SG"/>
           </a:p>
@@ -1415,7 +1415,7 @@
           <a:p>
             <a:fld id="{40C39A02-4836-4393-A3A4-9294DF1CF6ED}" type="datetimeFigureOut">
               <a:rPr lang="en-SG" smtClean="0"/>
-              <a:t>9/4/2018</a:t>
+              <a:t>11/4/2018</a:t>
             </a:fld>
             <a:endParaRPr lang="en-SG"/>
           </a:p>
@@ -1830,7 +1830,7 @@
           <a:p>
             <a:fld id="{40C39A02-4836-4393-A3A4-9294DF1CF6ED}" type="datetimeFigureOut">
               <a:rPr lang="en-SG" smtClean="0"/>
-              <a:t>9/4/2018</a:t>
+              <a:t>11/4/2018</a:t>
             </a:fld>
             <a:endParaRPr lang="en-SG"/>
           </a:p>
@@ -1972,7 +1972,7 @@
           <a:p>
             <a:fld id="{40C39A02-4836-4393-A3A4-9294DF1CF6ED}" type="datetimeFigureOut">
               <a:rPr lang="en-SG" smtClean="0"/>
-              <a:t>9/4/2018</a:t>
+              <a:t>11/4/2018</a:t>
             </a:fld>
             <a:endParaRPr lang="en-SG"/>
           </a:p>
@@ -2085,7 +2085,7 @@
           <a:p>
             <a:fld id="{40C39A02-4836-4393-A3A4-9294DF1CF6ED}" type="datetimeFigureOut">
               <a:rPr lang="en-SG" smtClean="0"/>
-              <a:t>9/4/2018</a:t>
+              <a:t>11/4/2018</a:t>
             </a:fld>
             <a:endParaRPr lang="en-SG"/>
           </a:p>
@@ -2398,7 +2398,7 @@
           <a:p>
             <a:fld id="{40C39A02-4836-4393-A3A4-9294DF1CF6ED}" type="datetimeFigureOut">
               <a:rPr lang="en-SG" smtClean="0"/>
-              <a:t>9/4/2018</a:t>
+              <a:t>11/4/2018</a:t>
             </a:fld>
             <a:endParaRPr lang="en-SG"/>
           </a:p>
@@ -2687,7 +2687,7 @@
           <a:p>
             <a:fld id="{40C39A02-4836-4393-A3A4-9294DF1CF6ED}" type="datetimeFigureOut">
               <a:rPr lang="en-SG" smtClean="0"/>
-              <a:t>9/4/2018</a:t>
+              <a:t>11/4/2018</a:t>
             </a:fld>
             <a:endParaRPr lang="en-SG"/>
           </a:p>
@@ -2930,7 +2930,7 @@
           <a:p>
             <a:fld id="{40C39A02-4836-4393-A3A4-9294DF1CF6ED}" type="datetimeFigureOut">
               <a:rPr lang="en-SG" smtClean="0"/>
-              <a:t>9/4/2018</a:t>
+              <a:t>11/4/2018</a:t>
             </a:fld>
             <a:endParaRPr lang="en-SG"/>
           </a:p>
@@ -3551,7 +3551,7 @@
             <a:solidFill>
               <a:srgbClr val="7030A0"/>
             </a:solidFill>
-            <a:prstDash val="dash"/>
+            <a:prstDash val="solid"/>
             <a:round/>
             <a:headEnd type="triangle" w="med" len="med"/>
             <a:tailEnd type="none" w="med" len="med"/>
@@ -4198,7 +4198,7 @@
             <a:solidFill>
               <a:srgbClr val="7030A0"/>
             </a:solidFill>
-            <a:prstDash val="dash"/>
+            <a:prstDash val="solid"/>
             <a:round/>
             <a:headEnd type="triangle" w="med" len="med"/>
             <a:tailEnd type="none" w="med" len="med"/>

--- a/docs/diagrams/PairClassDiagram.pptx
+++ b/docs/diagrams/PairClassDiagram.pptx
@@ -6,6 +6,7 @@
   </p:sldMasterIdLst>
   <p:sldIdLst>
     <p:sldId id="258" r:id="rId2"/>
+    <p:sldId id="256" r:id="rId3"/>
   </p:sldIdLst>
   <p:sldSz cx="12192000" cy="6858000"/>
   <p:notesSz cx="6858000" cy="9144000"/>
@@ -261,7 +262,7 @@
           <a:p>
             <a:fld id="{40C39A02-4836-4393-A3A4-9294DF1CF6ED}" type="datetimeFigureOut">
               <a:rPr lang="en-SG" smtClean="0"/>
-              <a:t>9/4/2018</a:t>
+              <a:t>13/4/2018</a:t>
             </a:fld>
             <a:endParaRPr lang="en-SG"/>
           </a:p>
@@ -461,7 +462,7 @@
           <a:p>
             <a:fld id="{40C39A02-4836-4393-A3A4-9294DF1CF6ED}" type="datetimeFigureOut">
               <a:rPr lang="en-SG" smtClean="0"/>
-              <a:t>9/4/2018</a:t>
+              <a:t>13/4/2018</a:t>
             </a:fld>
             <a:endParaRPr lang="en-SG"/>
           </a:p>
@@ -671,7 +672,7 @@
           <a:p>
             <a:fld id="{40C39A02-4836-4393-A3A4-9294DF1CF6ED}" type="datetimeFigureOut">
               <a:rPr lang="en-SG" smtClean="0"/>
-              <a:t>9/4/2018</a:t>
+              <a:t>13/4/2018</a:t>
             </a:fld>
             <a:endParaRPr lang="en-SG"/>
           </a:p>
@@ -871,7 +872,7 @@
           <a:p>
             <a:fld id="{40C39A02-4836-4393-A3A4-9294DF1CF6ED}" type="datetimeFigureOut">
               <a:rPr lang="en-SG" smtClean="0"/>
-              <a:t>9/4/2018</a:t>
+              <a:t>13/4/2018</a:t>
             </a:fld>
             <a:endParaRPr lang="en-SG"/>
           </a:p>
@@ -1147,7 +1148,7 @@
           <a:p>
             <a:fld id="{40C39A02-4836-4393-A3A4-9294DF1CF6ED}" type="datetimeFigureOut">
               <a:rPr lang="en-SG" smtClean="0"/>
-              <a:t>9/4/2018</a:t>
+              <a:t>13/4/2018</a:t>
             </a:fld>
             <a:endParaRPr lang="en-SG"/>
           </a:p>
@@ -1415,7 +1416,7 @@
           <a:p>
             <a:fld id="{40C39A02-4836-4393-A3A4-9294DF1CF6ED}" type="datetimeFigureOut">
               <a:rPr lang="en-SG" smtClean="0"/>
-              <a:t>9/4/2018</a:t>
+              <a:t>13/4/2018</a:t>
             </a:fld>
             <a:endParaRPr lang="en-SG"/>
           </a:p>
@@ -1830,7 +1831,7 @@
           <a:p>
             <a:fld id="{40C39A02-4836-4393-A3A4-9294DF1CF6ED}" type="datetimeFigureOut">
               <a:rPr lang="en-SG" smtClean="0"/>
-              <a:t>9/4/2018</a:t>
+              <a:t>13/4/2018</a:t>
             </a:fld>
             <a:endParaRPr lang="en-SG"/>
           </a:p>
@@ -1972,7 +1973,7 @@
           <a:p>
             <a:fld id="{40C39A02-4836-4393-A3A4-9294DF1CF6ED}" type="datetimeFigureOut">
               <a:rPr lang="en-SG" smtClean="0"/>
-              <a:t>9/4/2018</a:t>
+              <a:t>13/4/2018</a:t>
             </a:fld>
             <a:endParaRPr lang="en-SG"/>
           </a:p>
@@ -2085,7 +2086,7 @@
           <a:p>
             <a:fld id="{40C39A02-4836-4393-A3A4-9294DF1CF6ED}" type="datetimeFigureOut">
               <a:rPr lang="en-SG" smtClean="0"/>
-              <a:t>9/4/2018</a:t>
+              <a:t>13/4/2018</a:t>
             </a:fld>
             <a:endParaRPr lang="en-SG"/>
           </a:p>
@@ -2398,7 +2399,7 @@
           <a:p>
             <a:fld id="{40C39A02-4836-4393-A3A4-9294DF1CF6ED}" type="datetimeFigureOut">
               <a:rPr lang="en-SG" smtClean="0"/>
-              <a:t>9/4/2018</a:t>
+              <a:t>13/4/2018</a:t>
             </a:fld>
             <a:endParaRPr lang="en-SG"/>
           </a:p>
@@ -2687,7 +2688,7 @@
           <a:p>
             <a:fld id="{40C39A02-4836-4393-A3A4-9294DF1CF6ED}" type="datetimeFigureOut">
               <a:rPr lang="en-SG" smtClean="0"/>
-              <a:t>9/4/2018</a:t>
+              <a:t>13/4/2018</a:t>
             </a:fld>
             <a:endParaRPr lang="en-SG"/>
           </a:p>
@@ -2930,7 +2931,7 @@
           <a:p>
             <a:fld id="{40C39A02-4836-4393-A3A4-9294DF1CF6ED}" type="datetimeFigureOut">
               <a:rPr lang="en-SG" smtClean="0"/>
-              <a:t>9/4/2018</a:t>
+              <a:t>13/4/2018</a:t>
             </a:fld>
             <a:endParaRPr lang="en-SG"/>
           </a:p>
@@ -3523,57 +3524,6 @@
       </p:sp>
       <p:cxnSp>
         <p:nvCxnSpPr>
-          <p:cNvPr id="6" name="Connector: Elbow 5">
-            <a:extLst>
-              <a:ext uri="{FF2B5EF4-FFF2-40B4-BE49-F238E27FC236}">
-                <a16:creationId xmlns:a16="http://schemas.microsoft.com/office/drawing/2014/main" id="{9D48037C-215E-4586-ABCD-AB0C88C55472}"/>
-              </a:ext>
-            </a:extLst>
-          </p:cNvPr>
-          <p:cNvCxnSpPr>
-            <a:cxnSpLocks/>
-            <a:stCxn id="62" idx="3"/>
-            <a:endCxn id="15" idx="1"/>
-          </p:cNvCxnSpPr>
-          <p:nvPr/>
-        </p:nvCxnSpPr>
-        <p:spPr>
-          <a:xfrm flipV="1">
-            <a:off x="5667572" y="5112804"/>
-            <a:ext cx="2152737" cy="871421"/>
-          </a:xfrm>
-          <a:prstGeom prst="bentConnector3">
-            <a:avLst>
-              <a:gd name="adj1" fmla="val 50000"/>
-            </a:avLst>
-          </a:prstGeom>
-          <a:ln w="19050" cap="flat" cmpd="sng" algn="ctr">
-            <a:solidFill>
-              <a:srgbClr val="7030A0"/>
-            </a:solidFill>
-            <a:prstDash val="dash"/>
-            <a:round/>
-            <a:headEnd type="triangle" w="med" len="med"/>
-            <a:tailEnd type="none" w="med" len="med"/>
-          </a:ln>
-        </p:spPr>
-        <p:style>
-          <a:lnRef idx="0">
-            <a:scrgbClr r="0" g="0" b="0"/>
-          </a:lnRef>
-          <a:fillRef idx="0">
-            <a:scrgbClr r="0" g="0" b="0"/>
-          </a:fillRef>
-          <a:effectRef idx="0">
-            <a:scrgbClr r="0" g="0" b="0"/>
-          </a:effectRef>
-          <a:fontRef idx="minor">
-            <a:schemeClr val="tx1"/>
-          </a:fontRef>
-        </p:style>
-      </p:cxnSp>
-      <p:cxnSp>
-        <p:nvCxnSpPr>
           <p:cNvPr id="46" name="Connector: Elbow 45">
             <a:extLst>
               <a:ext uri="{FF2B5EF4-FFF2-40B4-BE49-F238E27FC236}">
@@ -3715,50 +3665,6 @@
       </p:sp>
       <p:sp>
         <p:nvSpPr>
-          <p:cNvPr id="57" name="TextBox 56">
-            <a:extLst>
-              <a:ext uri="{FF2B5EF4-FFF2-40B4-BE49-F238E27FC236}">
-                <a16:creationId xmlns:a16="http://schemas.microsoft.com/office/drawing/2014/main" id="{1E142EE6-15C6-4847-875A-BAA95DD7AA8B}"/>
-              </a:ext>
-            </a:extLst>
-          </p:cNvPr>
-          <p:cNvSpPr txBox="1"/>
-          <p:nvPr/>
-        </p:nvSpPr>
-        <p:spPr>
-          <a:xfrm>
-            <a:off x="5753119" y="4116006"/>
-            <a:ext cx="406440" cy="400110"/>
-          </a:xfrm>
-          <a:prstGeom prst="rect">
-            <a:avLst/>
-          </a:prstGeom>
-          <a:noFill/>
-        </p:spPr>
-        <p:txBody>
-          <a:bodyPr wrap="square" rtlCol="0">
-            <a:spAutoFit/>
-          </a:bodyPr>
-          <a:lstStyle/>
-          <a:p>
-            <a:r>
-              <a:rPr lang="en-SG" sz="2000" dirty="0">
-                <a:solidFill>
-                  <a:srgbClr val="7030A0"/>
-                </a:solidFill>
-              </a:rPr>
-              <a:t>1</a:t>
-            </a:r>
-            <a:endParaRPr lang="en-US" sz="2000" dirty="0">
-              <a:solidFill>
-                <a:srgbClr val="7030A0"/>
-              </a:solidFill>
-            </a:endParaRPr>
-          </a:p>
-        </p:txBody>
-      </p:sp>
-      <p:sp>
-        <p:nvSpPr>
           <p:cNvPr id="58" name="TextBox 57">
             <a:extLst>
               <a:ext uri="{FF2B5EF4-FFF2-40B4-BE49-F238E27FC236}">
@@ -3935,10 +3841,10 @@
         </p:nvGrpSpPr>
         <p:grpSpPr>
           <a:xfrm rot="16200000">
-            <a:off x="3415731" y="4891877"/>
-            <a:ext cx="1468109" cy="716587"/>
-            <a:chOff x="4627891" y="2708033"/>
-            <a:chExt cx="1468109" cy="716587"/>
+            <a:off x="3415732" y="4891878"/>
+            <a:ext cx="1468109" cy="716586"/>
+            <a:chOff x="4627892" y="2708033"/>
+            <a:chExt cx="1468109" cy="716586"/>
           </a:xfrm>
         </p:grpSpPr>
         <p:cxnSp>
@@ -4082,50 +3988,6 @@
       </p:sp>
       <p:sp>
         <p:nvSpPr>
-          <p:cNvPr id="106" name="TextBox 105">
-            <a:extLst>
-              <a:ext uri="{FF2B5EF4-FFF2-40B4-BE49-F238E27FC236}">
-                <a16:creationId xmlns:a16="http://schemas.microsoft.com/office/drawing/2014/main" id="{7093B310-F073-4379-A355-7627163951C9}"/>
-              </a:ext>
-            </a:extLst>
-          </p:cNvPr>
-          <p:cNvSpPr txBox="1"/>
-          <p:nvPr/>
-        </p:nvSpPr>
-        <p:spPr>
-          <a:xfrm>
-            <a:off x="5689560" y="5578684"/>
-            <a:ext cx="406440" cy="400110"/>
-          </a:xfrm>
-          <a:prstGeom prst="rect">
-            <a:avLst/>
-          </a:prstGeom>
-          <a:noFill/>
-        </p:spPr>
-        <p:txBody>
-          <a:bodyPr wrap="square" rtlCol="0">
-            <a:spAutoFit/>
-          </a:bodyPr>
-          <a:lstStyle/>
-          <a:p>
-            <a:r>
-              <a:rPr lang="en-SG" sz="2000" dirty="0">
-                <a:solidFill>
-                  <a:srgbClr val="7030A0"/>
-                </a:solidFill>
-              </a:rPr>
-              <a:t>1</a:t>
-            </a:r>
-            <a:endParaRPr lang="en-US" sz="2000" dirty="0">
-              <a:solidFill>
-                <a:srgbClr val="7030A0"/>
-              </a:solidFill>
-            </a:endParaRPr>
-          </a:p>
-        </p:txBody>
-      </p:sp>
-      <p:sp>
-        <p:nvSpPr>
           <p:cNvPr id="107" name="TextBox 106">
             <a:extLst>
               <a:ext uri="{FF2B5EF4-FFF2-40B4-BE49-F238E27FC236}">
@@ -4168,57 +4030,6 @@
           </a:p>
         </p:txBody>
       </p:sp>
-      <p:cxnSp>
-        <p:nvCxnSpPr>
-          <p:cNvPr id="116" name="Connector: Elbow 115">
-            <a:extLst>
-              <a:ext uri="{FF2B5EF4-FFF2-40B4-BE49-F238E27FC236}">
-                <a16:creationId xmlns:a16="http://schemas.microsoft.com/office/drawing/2014/main" id="{F752A5FD-DAFD-4657-9AC8-9325D38DD4B5}"/>
-              </a:ext>
-            </a:extLst>
-          </p:cNvPr>
-          <p:cNvCxnSpPr>
-            <a:cxnSpLocks/>
-            <a:stCxn id="39" idx="3"/>
-            <a:endCxn id="15" idx="1"/>
-          </p:cNvCxnSpPr>
-          <p:nvPr/>
-        </p:nvCxnSpPr>
-        <p:spPr>
-          <a:xfrm>
-            <a:off x="5667572" y="4504214"/>
-            <a:ext cx="2152737" cy="608590"/>
-          </a:xfrm>
-          <a:prstGeom prst="bentConnector3">
-            <a:avLst>
-              <a:gd name="adj1" fmla="val 50000"/>
-            </a:avLst>
-          </a:prstGeom>
-          <a:ln w="19050" cap="flat" cmpd="sng" algn="ctr">
-            <a:solidFill>
-              <a:srgbClr val="7030A0"/>
-            </a:solidFill>
-            <a:prstDash val="dash"/>
-            <a:round/>
-            <a:headEnd type="triangle" w="med" len="med"/>
-            <a:tailEnd type="none" w="med" len="med"/>
-          </a:ln>
-        </p:spPr>
-        <p:style>
-          <a:lnRef idx="0">
-            <a:scrgbClr r="0" g="0" b="0"/>
-          </a:lnRef>
-          <a:fillRef idx="0">
-            <a:scrgbClr r="0" g="0" b="0"/>
-          </a:fillRef>
-          <a:effectRef idx="0">
-            <a:scrgbClr r="0" g="0" b="0"/>
-          </a:effectRef>
-          <a:fontRef idx="minor">
-            <a:schemeClr val="tx1"/>
-          </a:fontRef>
-        </p:style>
-      </p:cxnSp>
       <p:cxnSp>
         <p:nvCxnSpPr>
           <p:cNvPr id="125" name="Connector: Elbow 124">
@@ -4447,45 +4258,1958 @@
           </a:p>
         </p:txBody>
       </p:sp>
-      <p:sp>
-        <p:nvSpPr>
-          <p:cNvPr id="134" name="TextBox 133">
-            <a:extLst>
-              <a:ext uri="{FF2B5EF4-FFF2-40B4-BE49-F238E27FC236}">
-                <a16:creationId xmlns:a16="http://schemas.microsoft.com/office/drawing/2014/main" id="{14A2BAC9-E6F6-4868-9702-1E8848B22825}"/>
-              </a:ext>
-            </a:extLst>
-          </p:cNvPr>
-          <p:cNvSpPr txBox="1"/>
+    </p:spTree>
+    <p:extLst>
+      <p:ext uri="{BB962C8B-B14F-4D97-AF65-F5344CB8AC3E}">
+        <p14:creationId xmlns:p14="http://schemas.microsoft.com/office/powerpoint/2010/main" val="1762820124"/>
+      </p:ext>
+    </p:extLst>
+  </p:cSld>
+  <p:clrMapOvr>
+    <a:masterClrMapping/>
+  </p:clrMapOvr>
+</p:sld>
+</file>
+
+<file path=ppt/slides/slide2.xml><?xml version="1.0" encoding="utf-8"?>
+<p:sld xmlns:a="http://schemas.openxmlformats.org/drawingml/2006/main" xmlns:r="http://schemas.openxmlformats.org/officeDocument/2006/relationships" xmlns:p="http://schemas.openxmlformats.org/presentationml/2006/main">
+  <p:cSld>
+    <p:spTree>
+      <p:nvGrpSpPr>
+        <p:cNvPr id="1" name=""/>
+        <p:cNvGrpSpPr/>
+        <p:nvPr/>
+      </p:nvGrpSpPr>
+      <p:grpSpPr>
+        <a:xfrm>
+          <a:off x="0" y="0"/>
+          <a:ext cx="0" cy="0"/>
+          <a:chOff x="0" y="0"/>
+          <a:chExt cx="0" cy="0"/>
+        </a:xfrm>
+      </p:grpSpPr>
+      <p:sp>
+        <p:nvSpPr>
+          <p:cNvPr id="4" name="Rectangle 3">
+            <a:extLst>
+              <a:ext uri="{FF2B5EF4-FFF2-40B4-BE49-F238E27FC236}">
+                <a16:creationId xmlns:a16="http://schemas.microsoft.com/office/drawing/2014/main" id="{E5A5CDF4-B289-48D9-B4F3-82F53A7F8DA8}"/>
+              </a:ext>
+            </a:extLst>
+          </p:cNvPr>
+          <p:cNvSpPr/>
           <p:nvPr/>
         </p:nvSpPr>
         <p:spPr>
           <a:xfrm>
-            <a:off x="7446799" y="4745526"/>
-            <a:ext cx="406440" cy="400110"/>
+            <a:off x="692147" y="476728"/>
+            <a:ext cx="3922520" cy="384561"/>
           </a:xfrm>
           <a:prstGeom prst="rect">
             <a:avLst/>
           </a:prstGeom>
-          <a:noFill/>
+          <a:ln>
+            <a:solidFill>
+              <a:schemeClr val="tx1"/>
+            </a:solidFill>
+          </a:ln>
         </p:spPr>
-        <p:txBody>
-          <a:bodyPr wrap="square" rtlCol="0">
-            <a:spAutoFit/>
-          </a:bodyPr>
-          <a:lstStyle/>
-          <a:p>
-            <a:r>
-              <a:rPr lang="en-SG" sz="2000" dirty="0">
-                <a:solidFill>
-                  <a:srgbClr val="7030A0"/>
-                </a:solidFill>
-              </a:rPr>
-              <a:t>*</a:t>
-            </a:r>
-            <a:endParaRPr lang="en-US" sz="2000" dirty="0">
+        <p:style>
+          <a:lnRef idx="2">
+            <a:schemeClr val="accent1">
+              <a:shade val="50000"/>
+            </a:schemeClr>
+          </a:lnRef>
+          <a:fillRef idx="1">
+            <a:schemeClr val="accent1"/>
+          </a:fillRef>
+          <a:effectRef idx="0">
+            <a:schemeClr val="accent1"/>
+          </a:effectRef>
+          <a:fontRef idx="minor">
+            <a:schemeClr val="lt1"/>
+          </a:fontRef>
+        </p:style>
+        <p:txBody>
+          <a:bodyPr rtlCol="0" anchor="ctr"/>
+          <a:lstStyle/>
+          <a:p>
+            <a:pPr marL="0" marR="0" lvl="0" indent="0" algn="ctr" defTabSz="914400" rtl="0" eaLnBrk="1" fontAlgn="auto" latinLnBrk="0" hangingPunct="1">
+              <a:lnSpc>
+                <a:spcPct val="100000"/>
+              </a:lnSpc>
+              <a:spcBef>
+                <a:spcPts val="0"/>
+              </a:spcBef>
+              <a:spcAft>
+                <a:spcPts val="0"/>
+              </a:spcAft>
+              <a:buClrTx/>
+              <a:buSzTx/>
+              <a:buFontTx/>
+              <a:buNone/>
+              <a:tabLst/>
+              <a:defRPr/>
+            </a:pPr>
+            <a:r>
+              <a:rPr lang="en-SG" dirty="0">
+                <a:solidFill>
+                  <a:prstClr val="white"/>
+                </a:solidFill>
+                <a:latin typeface="Calibri" panose="020F0502020204030204"/>
+              </a:rPr>
+              <a:t>Pair</a:t>
+            </a:r>
+            <a:endParaRPr kumimoji="0" lang="en-SG" sz="1800" b="0" i="0" u="none" strike="noStrike" kern="1200" cap="none" spc="0" normalizeH="0" baseline="0" noProof="0" dirty="0">
+              <a:ln>
+                <a:noFill/>
+              </a:ln>
               <a:solidFill>
-                <a:srgbClr val="7030A0"/>
+                <a:prstClr val="white"/>
+              </a:solidFill>
+              <a:effectLst/>
+              <a:uLnTx/>
+              <a:uFillTx/>
+              <a:latin typeface="Calibri" panose="020F0502020204030204"/>
+              <a:ea typeface="+mn-ea"/>
+              <a:cs typeface="+mn-cs"/>
+            </a:endParaRPr>
+          </a:p>
+        </p:txBody>
+      </p:sp>
+      <p:sp>
+        <p:nvSpPr>
+          <p:cNvPr id="6" name="Rectangle 5">
+            <a:extLst>
+              <a:ext uri="{FF2B5EF4-FFF2-40B4-BE49-F238E27FC236}">
+                <a16:creationId xmlns:a16="http://schemas.microsoft.com/office/drawing/2014/main" id="{5D33EBDF-078A-48F9-A439-156BE50146A4}"/>
+              </a:ext>
+            </a:extLst>
+          </p:cNvPr>
+          <p:cNvSpPr/>
+          <p:nvPr/>
+        </p:nvSpPr>
+        <p:spPr>
+          <a:xfrm>
+            <a:off x="692147" y="861289"/>
+            <a:ext cx="3922520" cy="2441960"/>
+          </a:xfrm>
+          <a:prstGeom prst="rect">
+            <a:avLst/>
+          </a:prstGeom>
+          <a:ln>
+            <a:solidFill>
+              <a:schemeClr val="tx1"/>
+            </a:solidFill>
+          </a:ln>
+        </p:spPr>
+        <p:style>
+          <a:lnRef idx="2">
+            <a:schemeClr val="accent1">
+              <a:shade val="50000"/>
+            </a:schemeClr>
+          </a:lnRef>
+          <a:fillRef idx="1">
+            <a:schemeClr val="accent1"/>
+          </a:fillRef>
+          <a:effectRef idx="0">
+            <a:schemeClr val="accent1"/>
+          </a:effectRef>
+          <a:fontRef idx="minor">
+            <a:schemeClr val="lt1"/>
+          </a:fontRef>
+        </p:style>
+        <p:txBody>
+          <a:bodyPr rtlCol="0" anchor="ctr"/>
+          <a:lstStyle/>
+          <a:p>
+            <a:pPr marL="0" marR="0" lvl="0" indent="0" algn="ctr" defTabSz="914400" rtl="0" eaLnBrk="1" fontAlgn="auto" latinLnBrk="0" hangingPunct="1">
+              <a:lnSpc>
+                <a:spcPct val="100000"/>
+              </a:lnSpc>
+              <a:spcBef>
+                <a:spcPts val="0"/>
+              </a:spcBef>
+              <a:spcAft>
+                <a:spcPts val="0"/>
+              </a:spcAft>
+              <a:buClrTx/>
+              <a:buSzTx/>
+              <a:buFontTx/>
+              <a:buNone/>
+              <a:tabLst/>
+              <a:defRPr/>
+            </a:pPr>
+            <a:r>
+              <a:rPr lang="en-SG" sz="1400" dirty="0">
+                <a:solidFill>
+                  <a:prstClr val="white"/>
+                </a:solidFill>
+                <a:latin typeface="Calibri" panose="020F0502020204030204"/>
+              </a:rPr>
+              <a:t>-</a:t>
+            </a:r>
+            <a:r>
+              <a:rPr kumimoji="0" lang="en-SG" sz="1400" b="0" i="0" u="none" strike="noStrike" kern="1200" cap="none" spc="0" normalizeH="0" baseline="0" noProof="0" dirty="0">
+                <a:ln>
+                  <a:noFill/>
+                </a:ln>
+                <a:solidFill>
+                  <a:prstClr val="white"/>
+                </a:solidFill>
+                <a:effectLst/>
+                <a:uLnTx/>
+                <a:uFillTx/>
+                <a:latin typeface="Calibri" panose="020F0502020204030204"/>
+                <a:ea typeface="+mn-ea"/>
+                <a:cs typeface="+mn-cs"/>
+              </a:rPr>
+              <a:t> </a:t>
+            </a:r>
+            <a:r>
+              <a:rPr lang="en-SG" sz="1400" dirty="0">
+                <a:solidFill>
+                  <a:prstClr val="white"/>
+                </a:solidFill>
+                <a:latin typeface="Calibri" panose="020F0502020204030204"/>
+              </a:rPr>
+              <a:t>s</a:t>
+            </a:r>
+            <a:r>
+              <a:rPr kumimoji="0" lang="en-SG" sz="1400" b="0" i="0" u="none" strike="noStrike" kern="1200" cap="none" spc="0" normalizeH="0" baseline="0" noProof="0" dirty="0" err="1">
+                <a:ln>
+                  <a:noFill/>
+                </a:ln>
+                <a:solidFill>
+                  <a:prstClr val="white"/>
+                </a:solidFill>
+                <a:effectLst/>
+                <a:uLnTx/>
+                <a:uFillTx/>
+                <a:latin typeface="Calibri" panose="020F0502020204030204"/>
+                <a:ea typeface="+mn-ea"/>
+                <a:cs typeface="+mn-cs"/>
+              </a:rPr>
+              <a:t>tudentName</a:t>
+            </a:r>
+            <a:r>
+              <a:rPr kumimoji="0" lang="en-SG" sz="1400" b="0" i="0" u="none" strike="noStrike" kern="1200" cap="none" spc="0" normalizeH="0" baseline="0" noProof="0" dirty="0">
+                <a:ln>
+                  <a:noFill/>
+                </a:ln>
+                <a:solidFill>
+                  <a:prstClr val="white"/>
+                </a:solidFill>
+                <a:effectLst/>
+                <a:uLnTx/>
+                <a:uFillTx/>
+                <a:latin typeface="Calibri" panose="020F0502020204030204"/>
+                <a:ea typeface="+mn-ea"/>
+                <a:cs typeface="+mn-cs"/>
+              </a:rPr>
+              <a:t>: String</a:t>
+            </a:r>
+          </a:p>
+          <a:p>
+            <a:pPr marL="285750" marR="0" lvl="0" indent="-285750" algn="ctr" defTabSz="914400" rtl="0" eaLnBrk="1" fontAlgn="auto" latinLnBrk="0" hangingPunct="1">
+              <a:lnSpc>
+                <a:spcPct val="100000"/>
+              </a:lnSpc>
+              <a:spcBef>
+                <a:spcPts val="0"/>
+              </a:spcBef>
+              <a:spcAft>
+                <a:spcPts val="0"/>
+              </a:spcAft>
+              <a:buClrTx/>
+              <a:buSzTx/>
+              <a:buFontTx/>
+              <a:buChar char="-"/>
+              <a:tabLst/>
+              <a:defRPr/>
+            </a:pPr>
+            <a:r>
+              <a:rPr lang="en-SG" sz="1400" dirty="0" err="1">
+                <a:solidFill>
+                  <a:prstClr val="white"/>
+                </a:solidFill>
+                <a:latin typeface="Calibri" panose="020F0502020204030204"/>
+              </a:rPr>
+              <a:t>tutorName</a:t>
+            </a:r>
+            <a:r>
+              <a:rPr kumimoji="0" lang="en-SG" sz="1400" b="0" i="0" u="none" strike="noStrike" kern="1200" cap="none" spc="0" normalizeH="0" baseline="0" noProof="0" dirty="0">
+                <a:ln>
+                  <a:noFill/>
+                </a:ln>
+                <a:solidFill>
+                  <a:prstClr val="white"/>
+                </a:solidFill>
+                <a:effectLst/>
+                <a:uLnTx/>
+                <a:uFillTx/>
+                <a:latin typeface="Calibri" panose="020F0502020204030204"/>
+                <a:ea typeface="+mn-ea"/>
+                <a:cs typeface="+mn-cs"/>
+              </a:rPr>
+              <a:t> : String</a:t>
+            </a:r>
+          </a:p>
+          <a:p>
+            <a:pPr marL="285750" marR="0" lvl="0" indent="-285750" algn="ctr" defTabSz="914400" rtl="0" eaLnBrk="1" fontAlgn="auto" latinLnBrk="0" hangingPunct="1">
+              <a:lnSpc>
+                <a:spcPct val="100000"/>
+              </a:lnSpc>
+              <a:spcBef>
+                <a:spcPts val="0"/>
+              </a:spcBef>
+              <a:spcAft>
+                <a:spcPts val="0"/>
+              </a:spcAft>
+              <a:buClrTx/>
+              <a:buSzTx/>
+              <a:buFontTx/>
+              <a:buChar char="-"/>
+              <a:tabLst/>
+              <a:defRPr/>
+            </a:pPr>
+            <a:r>
+              <a:rPr lang="en-SG" sz="1400" dirty="0">
+                <a:solidFill>
+                  <a:prstClr val="white"/>
+                </a:solidFill>
+              </a:rPr>
+              <a:t> subject : String</a:t>
+            </a:r>
+            <a:endParaRPr lang="en-SG" sz="1400" dirty="0">
+              <a:solidFill>
+                <a:prstClr val="white"/>
+              </a:solidFill>
+              <a:latin typeface="Calibri" panose="020F0502020204030204"/>
+            </a:endParaRPr>
+          </a:p>
+          <a:p>
+            <a:pPr marL="285750" marR="0" lvl="0" indent="-285750" algn="ctr" defTabSz="914400" rtl="0" eaLnBrk="1" fontAlgn="auto" latinLnBrk="0" hangingPunct="1">
+              <a:lnSpc>
+                <a:spcPct val="100000"/>
+              </a:lnSpc>
+              <a:spcBef>
+                <a:spcPts val="0"/>
+              </a:spcBef>
+              <a:spcAft>
+                <a:spcPts val="0"/>
+              </a:spcAft>
+              <a:buClrTx/>
+              <a:buSzTx/>
+              <a:buFontTx/>
+              <a:buChar char="-"/>
+              <a:tabLst/>
+              <a:defRPr/>
+            </a:pPr>
+            <a:r>
+              <a:rPr lang="en-SG" sz="1400" dirty="0">
+                <a:solidFill>
+                  <a:prstClr val="white"/>
+                </a:solidFill>
+              </a:rPr>
+              <a:t>level : String</a:t>
+            </a:r>
+          </a:p>
+          <a:p>
+            <a:pPr marL="285750" marR="0" lvl="0" indent="-285750" algn="ctr" defTabSz="914400" rtl="0" eaLnBrk="1" fontAlgn="auto" latinLnBrk="0" hangingPunct="1">
+              <a:lnSpc>
+                <a:spcPct val="100000"/>
+              </a:lnSpc>
+              <a:spcBef>
+                <a:spcPts val="0"/>
+              </a:spcBef>
+              <a:spcAft>
+                <a:spcPts val="0"/>
+              </a:spcAft>
+              <a:buClrTx/>
+              <a:buSzTx/>
+              <a:buFontTx/>
+              <a:buChar char="-"/>
+              <a:tabLst/>
+              <a:defRPr/>
+            </a:pPr>
+            <a:r>
+              <a:rPr lang="en-SG" sz="1400" dirty="0">
+                <a:solidFill>
+                  <a:prstClr val="white"/>
+                </a:solidFill>
+              </a:rPr>
+              <a:t>price : String</a:t>
+            </a:r>
+          </a:p>
+          <a:p>
+            <a:pPr marL="285750" marR="0" lvl="0" indent="-285750" algn="ctr" defTabSz="914400" rtl="0" eaLnBrk="1" fontAlgn="auto" latinLnBrk="0" hangingPunct="1">
+              <a:lnSpc>
+                <a:spcPct val="100000"/>
+              </a:lnSpc>
+              <a:spcBef>
+                <a:spcPts val="0"/>
+              </a:spcBef>
+              <a:spcAft>
+                <a:spcPts val="0"/>
+              </a:spcAft>
+              <a:buClrTx/>
+              <a:buSzTx/>
+              <a:buFontTx/>
+              <a:buChar char="-"/>
+              <a:tabLst/>
+              <a:defRPr/>
+            </a:pPr>
+            <a:r>
+              <a:rPr lang="en-SG" sz="1400" dirty="0" err="1">
+                <a:solidFill>
+                  <a:prstClr val="white"/>
+                </a:solidFill>
+              </a:rPr>
+              <a:t>pairHash</a:t>
+            </a:r>
+            <a:r>
+              <a:rPr lang="en-SG" sz="1400" dirty="0">
+                <a:solidFill>
+                  <a:prstClr val="white"/>
+                </a:solidFill>
+              </a:rPr>
+              <a:t> : </a:t>
+            </a:r>
+            <a:r>
+              <a:rPr lang="en-SG" sz="1400" dirty="0" err="1">
+                <a:solidFill>
+                  <a:prstClr val="white"/>
+                </a:solidFill>
+              </a:rPr>
+              <a:t>PairHash</a:t>
+            </a:r>
+            <a:endParaRPr lang="en-SG" sz="1400" dirty="0">
+              <a:solidFill>
+                <a:prstClr val="white"/>
+              </a:solidFill>
+            </a:endParaRPr>
+          </a:p>
+          <a:p>
+            <a:pPr marL="285750" marR="0" lvl="0" indent="-285750" algn="ctr" defTabSz="914400" rtl="0" eaLnBrk="1" fontAlgn="auto" latinLnBrk="0" hangingPunct="1">
+              <a:lnSpc>
+                <a:spcPct val="100000"/>
+              </a:lnSpc>
+              <a:spcBef>
+                <a:spcPts val="0"/>
+              </a:spcBef>
+              <a:spcAft>
+                <a:spcPts val="0"/>
+              </a:spcAft>
+              <a:buClrTx/>
+              <a:buSzTx/>
+              <a:buFontTx/>
+              <a:buChar char="-"/>
+              <a:tabLst/>
+              <a:defRPr/>
+            </a:pPr>
+            <a:r>
+              <a:rPr lang="en-SG" sz="1400" dirty="0">
+                <a:solidFill>
+                  <a:prstClr val="white"/>
+                </a:solidFill>
+              </a:rPr>
+              <a:t>Tags : </a:t>
+            </a:r>
+            <a:r>
+              <a:rPr lang="en-SG" sz="1400" dirty="0" err="1">
+                <a:solidFill>
+                  <a:prstClr val="white"/>
+                </a:solidFill>
+              </a:rPr>
+              <a:t>UniqueTagList</a:t>
+            </a:r>
+            <a:endParaRPr lang="en-SG" sz="1400" dirty="0">
+              <a:solidFill>
+                <a:prstClr val="white"/>
+              </a:solidFill>
+            </a:endParaRPr>
+          </a:p>
+          <a:p>
+            <a:pPr marR="0" lvl="0" algn="ctr" defTabSz="914400" rtl="0" eaLnBrk="1" fontAlgn="auto" latinLnBrk="0" hangingPunct="1">
+              <a:lnSpc>
+                <a:spcPct val="100000"/>
+              </a:lnSpc>
+              <a:spcBef>
+                <a:spcPts val="0"/>
+              </a:spcBef>
+              <a:spcAft>
+                <a:spcPts val="0"/>
+              </a:spcAft>
+              <a:buClrTx/>
+              <a:buSzTx/>
+              <a:tabLst/>
+              <a:defRPr/>
+            </a:pPr>
+            <a:endParaRPr lang="en-SG" sz="1400" dirty="0">
+              <a:solidFill>
+                <a:prstClr val="white"/>
+              </a:solidFill>
+            </a:endParaRPr>
+          </a:p>
+        </p:txBody>
+      </p:sp>
+      <p:sp>
+        <p:nvSpPr>
+          <p:cNvPr id="10" name="Rectangle 9">
+            <a:extLst>
+              <a:ext uri="{FF2B5EF4-FFF2-40B4-BE49-F238E27FC236}">
+                <a16:creationId xmlns:a16="http://schemas.microsoft.com/office/drawing/2014/main" id="{C882FA3F-25D9-44DC-9595-82AEFA46D96C}"/>
+              </a:ext>
+            </a:extLst>
+          </p:cNvPr>
+          <p:cNvSpPr/>
+          <p:nvPr/>
+        </p:nvSpPr>
+        <p:spPr>
+          <a:xfrm>
+            <a:off x="6848337" y="476728"/>
+            <a:ext cx="5020007" cy="384561"/>
+          </a:xfrm>
+          <a:prstGeom prst="rect">
+            <a:avLst/>
+          </a:prstGeom>
+          <a:ln>
+            <a:solidFill>
+              <a:schemeClr val="tx1"/>
+            </a:solidFill>
+          </a:ln>
+        </p:spPr>
+        <p:style>
+          <a:lnRef idx="2">
+            <a:schemeClr val="accent1">
+              <a:shade val="50000"/>
+            </a:schemeClr>
+          </a:lnRef>
+          <a:fillRef idx="1">
+            <a:schemeClr val="accent1"/>
+          </a:fillRef>
+          <a:effectRef idx="0">
+            <a:schemeClr val="accent1"/>
+          </a:effectRef>
+          <a:fontRef idx="minor">
+            <a:schemeClr val="lt1"/>
+          </a:fontRef>
+        </p:style>
+        <p:txBody>
+          <a:bodyPr rtlCol="0" anchor="ctr"/>
+          <a:lstStyle/>
+          <a:p>
+            <a:pPr marL="0" marR="0" lvl="0" indent="0" algn="ctr" defTabSz="914400" rtl="0" eaLnBrk="1" fontAlgn="auto" latinLnBrk="0" hangingPunct="1">
+              <a:lnSpc>
+                <a:spcPct val="100000"/>
+              </a:lnSpc>
+              <a:spcBef>
+                <a:spcPts val="0"/>
+              </a:spcBef>
+              <a:spcAft>
+                <a:spcPts val="0"/>
+              </a:spcAft>
+              <a:buClrTx/>
+              <a:buSzTx/>
+              <a:buFontTx/>
+              <a:buNone/>
+              <a:tabLst/>
+              <a:defRPr/>
+            </a:pPr>
+            <a:r>
+              <a:rPr lang="en-SG" dirty="0" err="1">
+                <a:solidFill>
+                  <a:prstClr val="white"/>
+                </a:solidFill>
+                <a:latin typeface="Calibri" panose="020F0502020204030204"/>
+              </a:rPr>
+              <a:t>PairHash</a:t>
+            </a:r>
+            <a:endParaRPr kumimoji="0" lang="en-SG" sz="1800" b="0" i="0" u="none" strike="noStrike" kern="1200" cap="none" spc="0" normalizeH="0" baseline="0" noProof="0" dirty="0">
+              <a:ln>
+                <a:noFill/>
+              </a:ln>
+              <a:solidFill>
+                <a:prstClr val="white"/>
+              </a:solidFill>
+              <a:effectLst/>
+              <a:uLnTx/>
+              <a:uFillTx/>
+              <a:latin typeface="Calibri" panose="020F0502020204030204"/>
+              <a:ea typeface="+mn-ea"/>
+              <a:cs typeface="+mn-cs"/>
+            </a:endParaRPr>
+          </a:p>
+        </p:txBody>
+      </p:sp>
+      <p:sp>
+        <p:nvSpPr>
+          <p:cNvPr id="11" name="Rectangle 10">
+            <a:extLst>
+              <a:ext uri="{FF2B5EF4-FFF2-40B4-BE49-F238E27FC236}">
+                <a16:creationId xmlns:a16="http://schemas.microsoft.com/office/drawing/2014/main" id="{5DC4F548-FD00-44CA-9989-9EA812741CE4}"/>
+              </a:ext>
+            </a:extLst>
+          </p:cNvPr>
+          <p:cNvSpPr/>
+          <p:nvPr/>
+        </p:nvSpPr>
+        <p:spPr>
+          <a:xfrm>
+            <a:off x="6848338" y="864492"/>
+            <a:ext cx="5020007" cy="2441960"/>
+          </a:xfrm>
+          <a:prstGeom prst="rect">
+            <a:avLst/>
+          </a:prstGeom>
+          <a:ln>
+            <a:solidFill>
+              <a:schemeClr val="tx1"/>
+            </a:solidFill>
+          </a:ln>
+        </p:spPr>
+        <p:style>
+          <a:lnRef idx="2">
+            <a:schemeClr val="accent1">
+              <a:shade val="50000"/>
+            </a:schemeClr>
+          </a:lnRef>
+          <a:fillRef idx="1">
+            <a:schemeClr val="accent1"/>
+          </a:fillRef>
+          <a:effectRef idx="0">
+            <a:schemeClr val="accent1"/>
+          </a:effectRef>
+          <a:fontRef idx="minor">
+            <a:schemeClr val="lt1"/>
+          </a:fontRef>
+        </p:style>
+        <p:txBody>
+          <a:bodyPr rtlCol="0" anchor="ctr"/>
+          <a:lstStyle/>
+          <a:p>
+            <a:pPr marL="0" marR="0" lvl="0" indent="0" algn="ctr" defTabSz="914400" rtl="0" eaLnBrk="1" fontAlgn="auto" latinLnBrk="0" hangingPunct="1">
+              <a:lnSpc>
+                <a:spcPct val="100000"/>
+              </a:lnSpc>
+              <a:spcBef>
+                <a:spcPts val="0"/>
+              </a:spcBef>
+              <a:spcAft>
+                <a:spcPts val="0"/>
+              </a:spcAft>
+              <a:buClrTx/>
+              <a:buSzTx/>
+              <a:buFontTx/>
+              <a:buNone/>
+              <a:tabLst/>
+              <a:defRPr/>
+            </a:pPr>
+            <a:r>
+              <a:rPr lang="en-SG" sz="1400" dirty="0">
+                <a:solidFill>
+                  <a:prstClr val="white"/>
+                </a:solidFill>
+                <a:latin typeface="Calibri" panose="020F0502020204030204"/>
+              </a:rPr>
+              <a:t>-</a:t>
+            </a:r>
+            <a:r>
+              <a:rPr kumimoji="0" lang="en-SG" sz="1400" b="0" i="0" u="none" strike="noStrike" kern="1200" cap="none" spc="0" normalizeH="0" baseline="0" noProof="0" dirty="0">
+                <a:ln>
+                  <a:noFill/>
+                </a:ln>
+                <a:solidFill>
+                  <a:prstClr val="white"/>
+                </a:solidFill>
+                <a:effectLst/>
+                <a:uLnTx/>
+                <a:uFillTx/>
+                <a:latin typeface="Calibri" panose="020F0502020204030204"/>
+                <a:ea typeface="+mn-ea"/>
+                <a:cs typeface="+mn-cs"/>
+              </a:rPr>
+              <a:t> value: </a:t>
+            </a:r>
+            <a:r>
+              <a:rPr kumimoji="0" lang="en-SG" sz="1400" b="0" i="0" u="none" strike="noStrike" kern="1200" cap="none" spc="0" normalizeH="0" baseline="0" noProof="0" dirty="0" err="1">
+                <a:ln>
+                  <a:noFill/>
+                </a:ln>
+                <a:solidFill>
+                  <a:prstClr val="white"/>
+                </a:solidFill>
+                <a:effectLst/>
+                <a:uLnTx/>
+                <a:uFillTx/>
+                <a:latin typeface="Calibri" panose="020F0502020204030204"/>
+                <a:ea typeface="+mn-ea"/>
+                <a:cs typeface="+mn-cs"/>
+              </a:rPr>
+              <a:t>int</a:t>
+            </a:r>
+            <a:endParaRPr kumimoji="0" lang="en-SG" sz="1400" b="0" i="0" u="none" strike="noStrike" kern="1200" cap="none" spc="0" normalizeH="0" baseline="0" noProof="0" dirty="0">
+              <a:ln>
+                <a:noFill/>
+              </a:ln>
+              <a:solidFill>
+                <a:prstClr val="white"/>
+              </a:solidFill>
+              <a:effectLst/>
+              <a:uLnTx/>
+              <a:uFillTx/>
+              <a:latin typeface="Calibri" panose="020F0502020204030204"/>
+              <a:ea typeface="+mn-ea"/>
+              <a:cs typeface="+mn-cs"/>
+            </a:endParaRPr>
+          </a:p>
+          <a:p>
+            <a:pPr marL="285750" marR="0" lvl="0" indent="-285750" algn="ctr" defTabSz="914400" rtl="0" eaLnBrk="1" fontAlgn="auto" latinLnBrk="0" hangingPunct="1">
+              <a:lnSpc>
+                <a:spcPct val="100000"/>
+              </a:lnSpc>
+              <a:spcBef>
+                <a:spcPts val="0"/>
+              </a:spcBef>
+              <a:spcAft>
+                <a:spcPts val="0"/>
+              </a:spcAft>
+              <a:buClrTx/>
+              <a:buSzTx/>
+              <a:buFontTx/>
+              <a:buChar char="-"/>
+              <a:tabLst/>
+              <a:defRPr/>
+            </a:pPr>
+            <a:r>
+              <a:rPr kumimoji="0" lang="en-SG" sz="1400" b="0" i="0" u="sng" strike="noStrike" kern="1200" cap="none" spc="0" normalizeH="0" baseline="0" noProof="0" dirty="0">
+                <a:ln>
+                  <a:noFill/>
+                </a:ln>
+                <a:solidFill>
+                  <a:prstClr val="white"/>
+                </a:solidFill>
+                <a:effectLst/>
+                <a:uLnTx/>
+                <a:uFillTx/>
+                <a:latin typeface="Calibri" panose="020F0502020204030204"/>
+                <a:ea typeface="+mn-ea"/>
+                <a:cs typeface="+mn-cs"/>
+              </a:rPr>
+              <a:t>PAIR_HASH_VALIDATION_REGEX : String</a:t>
+            </a:r>
+          </a:p>
+          <a:p>
+            <a:pPr marL="285750" marR="0" lvl="0" indent="-285750" algn="ctr" defTabSz="914400" rtl="0" eaLnBrk="1" fontAlgn="auto" latinLnBrk="0" hangingPunct="1">
+              <a:lnSpc>
+                <a:spcPct val="100000"/>
+              </a:lnSpc>
+              <a:spcBef>
+                <a:spcPts val="0"/>
+              </a:spcBef>
+              <a:spcAft>
+                <a:spcPts val="0"/>
+              </a:spcAft>
+              <a:buClrTx/>
+              <a:buSzTx/>
+              <a:buFontTx/>
+              <a:buChar char="-"/>
+              <a:tabLst/>
+              <a:defRPr/>
+            </a:pPr>
+            <a:r>
+              <a:rPr lang="en-SG" sz="1400" dirty="0">
+                <a:solidFill>
+                  <a:prstClr val="white"/>
+                </a:solidFill>
+              </a:rPr>
+              <a:t> </a:t>
+            </a:r>
+            <a:r>
+              <a:rPr lang="en-SG" sz="1400" u="sng" dirty="0">
+                <a:solidFill>
+                  <a:prstClr val="white"/>
+                </a:solidFill>
+              </a:rPr>
+              <a:t>MESSAGE_PAIR_HASH_CONSTRAINTS : String</a:t>
+            </a:r>
+            <a:endParaRPr lang="en-SG" sz="1400" u="sng" dirty="0">
+              <a:solidFill>
+                <a:prstClr val="white"/>
+              </a:solidFill>
+              <a:latin typeface="Calibri" panose="020F0502020204030204"/>
+            </a:endParaRPr>
+          </a:p>
+          <a:p>
+            <a:pPr marL="285750" marR="0" lvl="0" indent="-285750" algn="ctr" defTabSz="914400" rtl="0" eaLnBrk="1" fontAlgn="auto" latinLnBrk="0" hangingPunct="1">
+              <a:lnSpc>
+                <a:spcPct val="100000"/>
+              </a:lnSpc>
+              <a:spcBef>
+                <a:spcPts val="0"/>
+              </a:spcBef>
+              <a:spcAft>
+                <a:spcPts val="0"/>
+              </a:spcAft>
+              <a:buClrTx/>
+              <a:buSzTx/>
+              <a:buFontTx/>
+              <a:buChar char="-"/>
+              <a:tabLst/>
+              <a:defRPr/>
+            </a:pPr>
+            <a:r>
+              <a:rPr lang="en-SG" sz="1400" u="sng" dirty="0">
+                <a:solidFill>
+                  <a:prstClr val="white"/>
+                </a:solidFill>
+              </a:rPr>
+              <a:t>DEFAULT_PAIRHASH : </a:t>
+            </a:r>
+            <a:r>
+              <a:rPr lang="en-SG" sz="1400" u="sng" dirty="0" err="1">
+                <a:solidFill>
+                  <a:prstClr val="white"/>
+                </a:solidFill>
+              </a:rPr>
+              <a:t>PairHash</a:t>
+            </a:r>
+            <a:endParaRPr lang="en-SG" sz="1400" u="sng" dirty="0">
+              <a:solidFill>
+                <a:prstClr val="white"/>
+              </a:solidFill>
+            </a:endParaRPr>
+          </a:p>
+          <a:p>
+            <a:pPr marR="0" lvl="0" algn="ctr" defTabSz="914400" rtl="0" eaLnBrk="1" fontAlgn="auto" latinLnBrk="0" hangingPunct="1">
+              <a:lnSpc>
+                <a:spcPct val="100000"/>
+              </a:lnSpc>
+              <a:spcBef>
+                <a:spcPts val="0"/>
+              </a:spcBef>
+              <a:spcAft>
+                <a:spcPts val="0"/>
+              </a:spcAft>
+              <a:buClrTx/>
+              <a:buSzTx/>
+              <a:tabLst/>
+              <a:defRPr/>
+            </a:pPr>
+            <a:endParaRPr lang="en-SG" dirty="0">
+              <a:solidFill>
+                <a:prstClr val="white"/>
+              </a:solidFill>
+            </a:endParaRPr>
+          </a:p>
+        </p:txBody>
+      </p:sp>
+      <p:sp>
+        <p:nvSpPr>
+          <p:cNvPr id="12" name="Rectangle 11">
+            <a:extLst>
+              <a:ext uri="{FF2B5EF4-FFF2-40B4-BE49-F238E27FC236}">
+                <a16:creationId xmlns:a16="http://schemas.microsoft.com/office/drawing/2014/main" id="{E5D0908E-ECB5-4CA1-92B5-0B1179A086B1}"/>
+              </a:ext>
+            </a:extLst>
+          </p:cNvPr>
+          <p:cNvSpPr/>
+          <p:nvPr/>
+        </p:nvSpPr>
+        <p:spPr>
+          <a:xfrm>
+            <a:off x="6848337" y="3306452"/>
+            <a:ext cx="5020007" cy="2441960"/>
+          </a:xfrm>
+          <a:prstGeom prst="rect">
+            <a:avLst/>
+          </a:prstGeom>
+          <a:ln>
+            <a:solidFill>
+              <a:schemeClr val="tx1"/>
+            </a:solidFill>
+          </a:ln>
+        </p:spPr>
+        <p:style>
+          <a:lnRef idx="2">
+            <a:schemeClr val="accent1">
+              <a:shade val="50000"/>
+            </a:schemeClr>
+          </a:lnRef>
+          <a:fillRef idx="1">
+            <a:schemeClr val="accent1"/>
+          </a:fillRef>
+          <a:effectRef idx="0">
+            <a:schemeClr val="accent1"/>
+          </a:effectRef>
+          <a:fontRef idx="minor">
+            <a:schemeClr val="lt1"/>
+          </a:fontRef>
+        </p:style>
+        <p:txBody>
+          <a:bodyPr rtlCol="0" anchor="ctr"/>
+          <a:lstStyle/>
+          <a:p>
+            <a:pPr marL="0" marR="0" lvl="0" indent="0" algn="ctr" defTabSz="914400" rtl="0" eaLnBrk="1" fontAlgn="auto" latinLnBrk="0" hangingPunct="1">
+              <a:lnSpc>
+                <a:spcPct val="100000"/>
+              </a:lnSpc>
+              <a:spcBef>
+                <a:spcPts val="0"/>
+              </a:spcBef>
+              <a:spcAft>
+                <a:spcPts val="0"/>
+              </a:spcAft>
+              <a:buClrTx/>
+              <a:buSzTx/>
+              <a:buFontTx/>
+              <a:buNone/>
+              <a:tabLst/>
+              <a:defRPr/>
+            </a:pPr>
+            <a:r>
+              <a:rPr lang="en-SG" sz="1400" dirty="0">
+                <a:solidFill>
+                  <a:prstClr val="white"/>
+                </a:solidFill>
+                <a:latin typeface="Calibri" panose="020F0502020204030204"/>
+              </a:rPr>
+              <a:t>+ </a:t>
+            </a:r>
+            <a:r>
+              <a:rPr lang="en-SG" sz="1400" dirty="0" err="1">
+                <a:solidFill>
+                  <a:prstClr val="white"/>
+                </a:solidFill>
+                <a:latin typeface="Calibri" panose="020F0502020204030204"/>
+              </a:rPr>
+              <a:t>PairHash</a:t>
+            </a:r>
+            <a:r>
+              <a:rPr lang="en-SG" sz="1400" dirty="0">
+                <a:solidFill>
+                  <a:prstClr val="white"/>
+                </a:solidFill>
+                <a:latin typeface="Calibri" panose="020F0502020204030204"/>
+              </a:rPr>
+              <a:t> (Student, Tutor, Subject, Level, Price)</a:t>
+            </a:r>
+          </a:p>
+          <a:p>
+            <a:pPr marL="0" marR="0" lvl="0" indent="0" algn="ctr" defTabSz="914400" rtl="0" eaLnBrk="1" fontAlgn="auto" latinLnBrk="0" hangingPunct="1">
+              <a:lnSpc>
+                <a:spcPct val="100000"/>
+              </a:lnSpc>
+              <a:spcBef>
+                <a:spcPts val="0"/>
+              </a:spcBef>
+              <a:spcAft>
+                <a:spcPts val="0"/>
+              </a:spcAft>
+              <a:buClrTx/>
+              <a:buSzTx/>
+              <a:buFontTx/>
+              <a:buNone/>
+              <a:tabLst/>
+              <a:defRPr/>
+            </a:pPr>
+            <a:r>
+              <a:rPr lang="en-SG" sz="1400" dirty="0">
+                <a:solidFill>
+                  <a:prstClr val="white"/>
+                </a:solidFill>
+                <a:latin typeface="Calibri" panose="020F0502020204030204"/>
+              </a:rPr>
+              <a:t>+ </a:t>
+            </a:r>
+            <a:r>
+              <a:rPr lang="en-SG" sz="1400" dirty="0" err="1">
+                <a:solidFill>
+                  <a:prstClr val="white"/>
+                </a:solidFill>
+                <a:latin typeface="Calibri" panose="020F0502020204030204"/>
+              </a:rPr>
+              <a:t>PairHash</a:t>
+            </a:r>
+            <a:r>
+              <a:rPr lang="en-SG" sz="1400" dirty="0">
+                <a:solidFill>
+                  <a:prstClr val="white"/>
+                </a:solidFill>
+                <a:latin typeface="Calibri" panose="020F0502020204030204"/>
+              </a:rPr>
+              <a:t> (String)</a:t>
+            </a:r>
+          </a:p>
+          <a:p>
+            <a:pPr marL="0" marR="0" lvl="0" indent="0" algn="ctr" defTabSz="914400" rtl="0" eaLnBrk="1" fontAlgn="auto" latinLnBrk="0" hangingPunct="1">
+              <a:lnSpc>
+                <a:spcPct val="100000"/>
+              </a:lnSpc>
+              <a:spcBef>
+                <a:spcPts val="0"/>
+              </a:spcBef>
+              <a:spcAft>
+                <a:spcPts val="0"/>
+              </a:spcAft>
+              <a:buClrTx/>
+              <a:buSzTx/>
+              <a:buFontTx/>
+              <a:buNone/>
+              <a:tabLst/>
+              <a:defRPr/>
+            </a:pPr>
+            <a:r>
+              <a:rPr lang="en-SG" sz="1400" dirty="0">
+                <a:solidFill>
+                  <a:prstClr val="white"/>
+                </a:solidFill>
+                <a:latin typeface="Calibri" panose="020F0502020204030204"/>
+              </a:rPr>
+              <a:t>+ </a:t>
+            </a:r>
+            <a:r>
+              <a:rPr lang="en-SG" sz="1400" dirty="0" err="1">
+                <a:solidFill>
+                  <a:prstClr val="white"/>
+                </a:solidFill>
+                <a:latin typeface="Calibri" panose="020F0502020204030204"/>
+              </a:rPr>
+              <a:t>PairHash</a:t>
+            </a:r>
+            <a:r>
+              <a:rPr lang="en-SG" sz="1400" dirty="0">
+                <a:solidFill>
+                  <a:prstClr val="white"/>
+                </a:solidFill>
+                <a:latin typeface="Calibri" panose="020F0502020204030204"/>
+              </a:rPr>
+              <a:t> (</a:t>
+            </a:r>
+            <a:r>
+              <a:rPr lang="en-SG" sz="1400" dirty="0" err="1">
+                <a:solidFill>
+                  <a:prstClr val="white"/>
+                </a:solidFill>
+                <a:latin typeface="Calibri" panose="020F0502020204030204"/>
+              </a:rPr>
+              <a:t>int</a:t>
+            </a:r>
+            <a:r>
+              <a:rPr lang="en-SG" sz="1400" dirty="0">
+                <a:solidFill>
+                  <a:prstClr val="white"/>
+                </a:solidFill>
+                <a:latin typeface="Calibri" panose="020F0502020204030204"/>
+              </a:rPr>
+              <a:t>)</a:t>
+            </a:r>
+          </a:p>
+          <a:p>
+            <a:pPr marL="0" marR="0" lvl="0" indent="0" algn="ctr" defTabSz="914400" rtl="0" eaLnBrk="1" fontAlgn="auto" latinLnBrk="0" hangingPunct="1">
+              <a:lnSpc>
+                <a:spcPct val="100000"/>
+              </a:lnSpc>
+              <a:spcBef>
+                <a:spcPts val="0"/>
+              </a:spcBef>
+              <a:spcAft>
+                <a:spcPts val="0"/>
+              </a:spcAft>
+              <a:buClrTx/>
+              <a:buSzTx/>
+              <a:buFontTx/>
+              <a:buNone/>
+              <a:tabLst/>
+              <a:defRPr/>
+            </a:pPr>
+            <a:r>
+              <a:rPr lang="en-SG" sz="1400" dirty="0">
+                <a:solidFill>
+                  <a:prstClr val="white"/>
+                </a:solidFill>
+                <a:latin typeface="Calibri" panose="020F0502020204030204"/>
+              </a:rPr>
+              <a:t>+ </a:t>
+            </a:r>
+            <a:r>
+              <a:rPr lang="en-SG" sz="1400" dirty="0" err="1">
+                <a:solidFill>
+                  <a:prstClr val="white"/>
+                </a:solidFill>
+                <a:latin typeface="Calibri" panose="020F0502020204030204"/>
+              </a:rPr>
+              <a:t>toString</a:t>
+            </a:r>
+            <a:r>
+              <a:rPr lang="en-SG" sz="1400" dirty="0">
+                <a:solidFill>
+                  <a:prstClr val="white"/>
+                </a:solidFill>
+                <a:latin typeface="Calibri" panose="020F0502020204030204"/>
+              </a:rPr>
+              <a:t>() : String</a:t>
+            </a:r>
+          </a:p>
+          <a:p>
+            <a:pPr marL="0" marR="0" lvl="0" indent="0" algn="ctr" defTabSz="914400" rtl="0" eaLnBrk="1" fontAlgn="auto" latinLnBrk="0" hangingPunct="1">
+              <a:lnSpc>
+                <a:spcPct val="100000"/>
+              </a:lnSpc>
+              <a:spcBef>
+                <a:spcPts val="0"/>
+              </a:spcBef>
+              <a:spcAft>
+                <a:spcPts val="0"/>
+              </a:spcAft>
+              <a:buClrTx/>
+              <a:buSzTx/>
+              <a:buFontTx/>
+              <a:buNone/>
+              <a:tabLst/>
+              <a:defRPr/>
+            </a:pPr>
+            <a:r>
+              <a:rPr lang="en-SG" sz="1400" dirty="0">
+                <a:solidFill>
+                  <a:prstClr val="white"/>
+                </a:solidFill>
+                <a:latin typeface="Calibri" panose="020F0502020204030204"/>
+              </a:rPr>
+              <a:t>+ equals(Object) : Boolean</a:t>
+            </a:r>
+          </a:p>
+          <a:p>
+            <a:pPr marL="0" marR="0" lvl="0" indent="0" algn="ctr" defTabSz="914400" rtl="0" eaLnBrk="1" fontAlgn="auto" latinLnBrk="0" hangingPunct="1">
+              <a:lnSpc>
+                <a:spcPct val="100000"/>
+              </a:lnSpc>
+              <a:spcBef>
+                <a:spcPts val="0"/>
+              </a:spcBef>
+              <a:spcAft>
+                <a:spcPts val="0"/>
+              </a:spcAft>
+              <a:buClrTx/>
+              <a:buSzTx/>
+              <a:buFontTx/>
+              <a:buNone/>
+              <a:tabLst/>
+              <a:defRPr/>
+            </a:pPr>
+            <a:r>
+              <a:rPr lang="en-SG" sz="1400" dirty="0">
+                <a:solidFill>
+                  <a:prstClr val="white"/>
+                </a:solidFill>
+                <a:latin typeface="Calibri" panose="020F0502020204030204"/>
+              </a:rPr>
+              <a:t>+ </a:t>
+            </a:r>
+            <a:r>
+              <a:rPr lang="en-SG" sz="1400" dirty="0" err="1">
+                <a:solidFill>
+                  <a:prstClr val="white"/>
+                </a:solidFill>
+                <a:latin typeface="Calibri" panose="020F0502020204030204"/>
+              </a:rPr>
+              <a:t>getValue</a:t>
+            </a:r>
+            <a:r>
+              <a:rPr lang="en-SG" sz="1400" dirty="0">
+                <a:solidFill>
+                  <a:prstClr val="white"/>
+                </a:solidFill>
+                <a:latin typeface="Calibri" panose="020F0502020204030204"/>
+              </a:rPr>
+              <a:t>() :</a:t>
+            </a:r>
+            <a:r>
+              <a:rPr lang="en-SG" sz="1400" dirty="0" err="1">
+                <a:solidFill>
+                  <a:prstClr val="white"/>
+                </a:solidFill>
+                <a:latin typeface="Calibri" panose="020F0502020204030204"/>
+              </a:rPr>
+              <a:t>int</a:t>
+            </a:r>
+            <a:endParaRPr lang="en-SG" sz="1400" dirty="0">
+              <a:solidFill>
+                <a:prstClr val="white"/>
+              </a:solidFill>
+              <a:latin typeface="Calibri" panose="020F0502020204030204"/>
+            </a:endParaRPr>
+          </a:p>
+          <a:p>
+            <a:pPr marL="0" marR="0" lvl="0" indent="0" algn="ctr" defTabSz="914400" rtl="0" eaLnBrk="1" fontAlgn="auto" latinLnBrk="0" hangingPunct="1">
+              <a:lnSpc>
+                <a:spcPct val="100000"/>
+              </a:lnSpc>
+              <a:spcBef>
+                <a:spcPts val="0"/>
+              </a:spcBef>
+              <a:spcAft>
+                <a:spcPts val="0"/>
+              </a:spcAft>
+              <a:buClrTx/>
+              <a:buSzTx/>
+              <a:buFontTx/>
+              <a:buNone/>
+              <a:tabLst/>
+              <a:defRPr/>
+            </a:pPr>
+            <a:r>
+              <a:rPr lang="en-SG" sz="1400" u="sng" dirty="0">
+                <a:solidFill>
+                  <a:prstClr val="white"/>
+                </a:solidFill>
+                <a:latin typeface="Calibri" panose="020F0502020204030204"/>
+              </a:rPr>
+              <a:t>+ </a:t>
+            </a:r>
+            <a:r>
+              <a:rPr lang="en-SG" sz="1400" u="sng" dirty="0" err="1">
+                <a:solidFill>
+                  <a:prstClr val="white"/>
+                </a:solidFill>
+                <a:latin typeface="Calibri" panose="020F0502020204030204"/>
+              </a:rPr>
+              <a:t>getDefaultPairHashSet</a:t>
+            </a:r>
+            <a:r>
+              <a:rPr lang="en-SG" sz="1400" u="sng" dirty="0">
+                <a:solidFill>
+                  <a:prstClr val="white"/>
+                </a:solidFill>
+                <a:latin typeface="Calibri" panose="020F0502020204030204"/>
+              </a:rPr>
+              <a:t>() : Set&lt;</a:t>
+            </a:r>
+            <a:r>
+              <a:rPr lang="en-SG" sz="1400" u="sng" dirty="0" err="1">
+                <a:solidFill>
+                  <a:prstClr val="white"/>
+                </a:solidFill>
+                <a:latin typeface="Calibri" panose="020F0502020204030204"/>
+              </a:rPr>
+              <a:t>PairHash</a:t>
+            </a:r>
+            <a:r>
+              <a:rPr lang="en-SG" sz="1400" u="sng" dirty="0">
+                <a:solidFill>
+                  <a:prstClr val="white"/>
+                </a:solidFill>
+                <a:latin typeface="Calibri" panose="020F0502020204030204"/>
+              </a:rPr>
+              <a:t>&gt;</a:t>
+            </a:r>
+          </a:p>
+          <a:p>
+            <a:pPr algn="ctr"/>
+            <a:r>
+              <a:rPr lang="en-SG" sz="1400" u="sng" dirty="0">
+                <a:solidFill>
+                  <a:prstClr val="white"/>
+                </a:solidFill>
+              </a:rPr>
+              <a:t>+ </a:t>
+            </a:r>
+            <a:r>
+              <a:rPr lang="en-SG" sz="1400" u="sng" dirty="0" err="1">
+                <a:solidFill>
+                  <a:prstClr val="white"/>
+                </a:solidFill>
+              </a:rPr>
+              <a:t>isValidPairHash</a:t>
+            </a:r>
+            <a:r>
+              <a:rPr lang="en-SG" sz="1400" u="sng" dirty="0">
+                <a:solidFill>
+                  <a:prstClr val="white"/>
+                </a:solidFill>
+              </a:rPr>
+              <a:t>(String) : </a:t>
+            </a:r>
+            <a:r>
+              <a:rPr lang="en-SG" sz="1400" u="sng" dirty="0" err="1">
+                <a:solidFill>
+                  <a:prstClr val="white"/>
+                </a:solidFill>
+              </a:rPr>
+              <a:t>boolean</a:t>
+            </a:r>
+            <a:endParaRPr lang="en-SG" sz="1400" u="sng" dirty="0">
+              <a:solidFill>
+                <a:prstClr val="white"/>
+              </a:solidFill>
+            </a:endParaRPr>
+          </a:p>
+          <a:p>
+            <a:pPr marL="0" marR="0" lvl="0" indent="0" algn="ctr" defTabSz="914400" rtl="0" eaLnBrk="1" fontAlgn="auto" latinLnBrk="0" hangingPunct="1">
+              <a:lnSpc>
+                <a:spcPct val="100000"/>
+              </a:lnSpc>
+              <a:spcBef>
+                <a:spcPts val="0"/>
+              </a:spcBef>
+              <a:spcAft>
+                <a:spcPts val="0"/>
+              </a:spcAft>
+              <a:buClrTx/>
+              <a:buSzTx/>
+              <a:buFontTx/>
+              <a:buNone/>
+              <a:tabLst/>
+              <a:defRPr/>
+            </a:pPr>
+            <a:endParaRPr lang="en-SG" u="sng" dirty="0">
+              <a:solidFill>
+                <a:prstClr val="white"/>
+              </a:solidFill>
+              <a:latin typeface="Calibri" panose="020F0502020204030204"/>
+            </a:endParaRPr>
+          </a:p>
+        </p:txBody>
+      </p:sp>
+      <p:sp>
+        <p:nvSpPr>
+          <p:cNvPr id="13" name="Rectangle 12">
+            <a:extLst>
+              <a:ext uri="{FF2B5EF4-FFF2-40B4-BE49-F238E27FC236}">
+                <a16:creationId xmlns:a16="http://schemas.microsoft.com/office/drawing/2014/main" id="{37E54359-E452-47E0-8D07-1AEAC32B1AC1}"/>
+              </a:ext>
+            </a:extLst>
+          </p:cNvPr>
+          <p:cNvSpPr/>
+          <p:nvPr/>
+        </p:nvSpPr>
+        <p:spPr>
+          <a:xfrm>
+            <a:off x="704941" y="3281886"/>
+            <a:ext cx="3922520" cy="3273024"/>
+          </a:xfrm>
+          <a:prstGeom prst="rect">
+            <a:avLst/>
+          </a:prstGeom>
+          <a:ln>
+            <a:solidFill>
+              <a:schemeClr val="tx1"/>
+            </a:solidFill>
+          </a:ln>
+        </p:spPr>
+        <p:style>
+          <a:lnRef idx="2">
+            <a:schemeClr val="accent1">
+              <a:shade val="50000"/>
+            </a:schemeClr>
+          </a:lnRef>
+          <a:fillRef idx="1">
+            <a:schemeClr val="accent1"/>
+          </a:fillRef>
+          <a:effectRef idx="0">
+            <a:schemeClr val="accent1"/>
+          </a:effectRef>
+          <a:fontRef idx="minor">
+            <a:schemeClr val="lt1"/>
+          </a:fontRef>
+        </p:style>
+        <p:txBody>
+          <a:bodyPr rtlCol="0" anchor="ctr"/>
+          <a:lstStyle/>
+          <a:p>
+            <a:pPr marL="0" marR="0" lvl="0" indent="0" algn="ctr" defTabSz="914400" rtl="0" eaLnBrk="1" fontAlgn="auto" latinLnBrk="0" hangingPunct="1">
+              <a:lnSpc>
+                <a:spcPct val="100000"/>
+              </a:lnSpc>
+              <a:spcBef>
+                <a:spcPts val="0"/>
+              </a:spcBef>
+              <a:spcAft>
+                <a:spcPts val="0"/>
+              </a:spcAft>
+              <a:buClrTx/>
+              <a:buSzTx/>
+              <a:buFontTx/>
+              <a:buNone/>
+              <a:tabLst/>
+              <a:defRPr/>
+            </a:pPr>
+            <a:endParaRPr lang="en-SG" sz="1400" dirty="0">
+              <a:solidFill>
+                <a:prstClr val="white"/>
+              </a:solidFill>
+              <a:latin typeface="Calibri" panose="020F0502020204030204"/>
+            </a:endParaRPr>
+          </a:p>
+          <a:p>
+            <a:pPr marL="0" marR="0" lvl="0" indent="0" algn="ctr" defTabSz="914400" rtl="0" eaLnBrk="1" fontAlgn="auto" latinLnBrk="0" hangingPunct="1">
+              <a:lnSpc>
+                <a:spcPct val="100000"/>
+              </a:lnSpc>
+              <a:spcBef>
+                <a:spcPts val="0"/>
+              </a:spcBef>
+              <a:spcAft>
+                <a:spcPts val="0"/>
+              </a:spcAft>
+              <a:buClrTx/>
+              <a:buSzTx/>
+              <a:buFontTx/>
+              <a:buNone/>
+              <a:tabLst/>
+              <a:defRPr/>
+            </a:pPr>
+            <a:endParaRPr lang="en-SG" sz="1400" dirty="0">
+              <a:solidFill>
+                <a:prstClr val="white"/>
+              </a:solidFill>
+              <a:latin typeface="Calibri" panose="020F0502020204030204"/>
+            </a:endParaRPr>
+          </a:p>
+          <a:p>
+            <a:pPr marL="0" marR="0" lvl="0" indent="0" algn="ctr" defTabSz="914400" rtl="0" eaLnBrk="1" fontAlgn="auto" latinLnBrk="0" hangingPunct="1">
+              <a:lnSpc>
+                <a:spcPct val="100000"/>
+              </a:lnSpc>
+              <a:spcBef>
+                <a:spcPts val="0"/>
+              </a:spcBef>
+              <a:spcAft>
+                <a:spcPts val="0"/>
+              </a:spcAft>
+              <a:buClrTx/>
+              <a:buSzTx/>
+              <a:buFontTx/>
+              <a:buNone/>
+              <a:tabLst/>
+              <a:defRPr/>
+            </a:pPr>
+            <a:endParaRPr lang="en-SG" sz="1400" dirty="0">
+              <a:solidFill>
+                <a:prstClr val="white"/>
+              </a:solidFill>
+              <a:latin typeface="Calibri" panose="020F0502020204030204"/>
+            </a:endParaRPr>
+          </a:p>
+          <a:p>
+            <a:pPr marL="0" marR="0" lvl="0" indent="0" algn="ctr" defTabSz="914400" rtl="0" eaLnBrk="1" fontAlgn="auto" latinLnBrk="0" hangingPunct="1">
+              <a:lnSpc>
+                <a:spcPct val="100000"/>
+              </a:lnSpc>
+              <a:spcBef>
+                <a:spcPts val="0"/>
+              </a:spcBef>
+              <a:spcAft>
+                <a:spcPts val="0"/>
+              </a:spcAft>
+              <a:buClrTx/>
+              <a:buSzTx/>
+              <a:buFontTx/>
+              <a:buNone/>
+              <a:tabLst/>
+              <a:defRPr/>
+            </a:pPr>
+            <a:endParaRPr lang="en-SG" sz="1400" dirty="0">
+              <a:solidFill>
+                <a:prstClr val="white"/>
+              </a:solidFill>
+              <a:latin typeface="Calibri" panose="020F0502020204030204"/>
+            </a:endParaRPr>
+          </a:p>
+          <a:p>
+            <a:pPr marL="0" marR="0" lvl="0" indent="0" algn="ctr" defTabSz="914400" rtl="0" eaLnBrk="1" fontAlgn="auto" latinLnBrk="0" hangingPunct="1">
+              <a:lnSpc>
+                <a:spcPct val="100000"/>
+              </a:lnSpc>
+              <a:spcBef>
+                <a:spcPts val="0"/>
+              </a:spcBef>
+              <a:spcAft>
+                <a:spcPts val="0"/>
+              </a:spcAft>
+              <a:buClrTx/>
+              <a:buSzTx/>
+              <a:buFontTx/>
+              <a:buNone/>
+              <a:tabLst/>
+              <a:defRPr/>
+            </a:pPr>
+            <a:endParaRPr lang="en-SG" sz="1400" dirty="0">
+              <a:solidFill>
+                <a:prstClr val="white"/>
+              </a:solidFill>
+              <a:latin typeface="Calibri" panose="020F0502020204030204"/>
+            </a:endParaRPr>
+          </a:p>
+          <a:p>
+            <a:pPr marL="0" marR="0" lvl="0" indent="0" algn="ctr" defTabSz="914400" rtl="0" eaLnBrk="1" fontAlgn="auto" latinLnBrk="0" hangingPunct="1">
+              <a:lnSpc>
+                <a:spcPct val="100000"/>
+              </a:lnSpc>
+              <a:spcBef>
+                <a:spcPts val="0"/>
+              </a:spcBef>
+              <a:spcAft>
+                <a:spcPts val="0"/>
+              </a:spcAft>
+              <a:buClrTx/>
+              <a:buSzTx/>
+              <a:buFontTx/>
+              <a:buNone/>
+              <a:tabLst/>
+              <a:defRPr/>
+            </a:pPr>
+            <a:endParaRPr lang="en-SG" sz="1400" dirty="0">
+              <a:solidFill>
+                <a:prstClr val="white"/>
+              </a:solidFill>
+              <a:latin typeface="Calibri" panose="020F0502020204030204"/>
+            </a:endParaRPr>
+          </a:p>
+          <a:p>
+            <a:pPr marL="0" marR="0" lvl="0" indent="0" algn="ctr" defTabSz="914400" rtl="0" eaLnBrk="1" fontAlgn="auto" latinLnBrk="0" hangingPunct="1">
+              <a:lnSpc>
+                <a:spcPct val="100000"/>
+              </a:lnSpc>
+              <a:spcBef>
+                <a:spcPts val="0"/>
+              </a:spcBef>
+              <a:spcAft>
+                <a:spcPts val="0"/>
+              </a:spcAft>
+              <a:buClrTx/>
+              <a:buSzTx/>
+              <a:buFontTx/>
+              <a:buNone/>
+              <a:tabLst/>
+              <a:defRPr/>
+            </a:pPr>
+            <a:r>
+              <a:rPr lang="en-SG" sz="1400" dirty="0">
+                <a:solidFill>
+                  <a:prstClr val="white"/>
+                </a:solidFill>
+                <a:latin typeface="Calibri" panose="020F0502020204030204"/>
+              </a:rPr>
+              <a:t>+ Pair (String, String, </a:t>
+            </a:r>
+            <a:endParaRPr lang="en-SG" sz="1400" dirty="0">
+              <a:solidFill>
+                <a:prstClr val="white"/>
+              </a:solidFill>
+            </a:endParaRPr>
+          </a:p>
+          <a:p>
+            <a:pPr marR="0" lvl="0" algn="ctr" defTabSz="914400" rtl="0" eaLnBrk="1" fontAlgn="auto" latinLnBrk="0" hangingPunct="1">
+              <a:lnSpc>
+                <a:spcPct val="100000"/>
+              </a:lnSpc>
+              <a:spcBef>
+                <a:spcPts val="0"/>
+              </a:spcBef>
+              <a:spcAft>
+                <a:spcPts val="0"/>
+              </a:spcAft>
+              <a:buClrTx/>
+              <a:buSzTx/>
+              <a:tabLst/>
+              <a:defRPr/>
+            </a:pPr>
+            <a:r>
+              <a:rPr lang="en-SG" sz="1400" dirty="0">
+                <a:solidFill>
+                  <a:prstClr val="white"/>
+                </a:solidFill>
+              </a:rPr>
+              <a:t>String, String, String, </a:t>
+            </a:r>
+            <a:r>
+              <a:rPr lang="en-SG" sz="1400" dirty="0" err="1">
+                <a:solidFill>
+                  <a:prstClr val="white"/>
+                </a:solidFill>
+              </a:rPr>
+              <a:t>PairHash</a:t>
+            </a:r>
+            <a:r>
+              <a:rPr lang="en-SG" sz="1400" dirty="0">
+                <a:solidFill>
+                  <a:prstClr val="white"/>
+                </a:solidFill>
+              </a:rPr>
+              <a:t>)</a:t>
+            </a:r>
+          </a:p>
+          <a:p>
+            <a:pPr marR="0" lvl="0" algn="ctr" defTabSz="914400" rtl="0" eaLnBrk="1" fontAlgn="auto" latinLnBrk="0" hangingPunct="1">
+              <a:lnSpc>
+                <a:spcPct val="100000"/>
+              </a:lnSpc>
+              <a:spcBef>
+                <a:spcPts val="0"/>
+              </a:spcBef>
+              <a:spcAft>
+                <a:spcPts val="0"/>
+              </a:spcAft>
+              <a:buClrTx/>
+              <a:buSzTx/>
+              <a:tabLst/>
+              <a:defRPr/>
+            </a:pPr>
+            <a:r>
+              <a:rPr lang="en-SG" sz="1400" dirty="0">
+                <a:solidFill>
+                  <a:prstClr val="white"/>
+                </a:solidFill>
+              </a:rPr>
+              <a:t>+ Pair (Person, Person, Subject, Level, Price)</a:t>
+            </a:r>
+          </a:p>
+          <a:p>
+            <a:pPr marR="0" lvl="0" algn="ctr" defTabSz="914400" rtl="0" eaLnBrk="1" fontAlgn="auto" latinLnBrk="0" hangingPunct="1">
+              <a:lnSpc>
+                <a:spcPct val="100000"/>
+              </a:lnSpc>
+              <a:spcBef>
+                <a:spcPts val="0"/>
+              </a:spcBef>
+              <a:spcAft>
+                <a:spcPts val="0"/>
+              </a:spcAft>
+              <a:buClrTx/>
+              <a:buSzTx/>
+              <a:tabLst/>
+              <a:defRPr/>
+            </a:pPr>
+            <a:r>
+              <a:rPr lang="en-SG" sz="1400" dirty="0">
+                <a:solidFill>
+                  <a:prstClr val="white"/>
+                </a:solidFill>
+              </a:rPr>
+              <a:t>+ </a:t>
+            </a:r>
+            <a:r>
+              <a:rPr lang="en-SG" sz="1400" dirty="0" err="1">
+                <a:solidFill>
+                  <a:prstClr val="white"/>
+                </a:solidFill>
+              </a:rPr>
+              <a:t>getStudentName</a:t>
+            </a:r>
+            <a:r>
+              <a:rPr lang="en-SG" sz="1400" dirty="0">
+                <a:solidFill>
+                  <a:prstClr val="white"/>
+                </a:solidFill>
+              </a:rPr>
+              <a:t>() : String</a:t>
+            </a:r>
+          </a:p>
+          <a:p>
+            <a:pPr algn="ctr"/>
+            <a:r>
+              <a:rPr lang="en-SG" sz="1400" dirty="0">
+                <a:solidFill>
+                  <a:prstClr val="white"/>
+                </a:solidFill>
+              </a:rPr>
+              <a:t>+ </a:t>
+            </a:r>
+            <a:r>
+              <a:rPr lang="en-SG" sz="1400" dirty="0" err="1">
+                <a:solidFill>
+                  <a:prstClr val="white"/>
+                </a:solidFill>
+              </a:rPr>
+              <a:t>getTutorName</a:t>
+            </a:r>
+            <a:r>
+              <a:rPr lang="en-SG" sz="1400" dirty="0">
+                <a:solidFill>
+                  <a:prstClr val="white"/>
+                </a:solidFill>
+              </a:rPr>
+              <a:t>() : String</a:t>
+            </a:r>
+          </a:p>
+          <a:p>
+            <a:pPr algn="ctr"/>
+            <a:r>
+              <a:rPr lang="en-SG" sz="1400" dirty="0">
+                <a:solidFill>
+                  <a:prstClr val="white"/>
+                </a:solidFill>
+              </a:rPr>
+              <a:t>+ </a:t>
+            </a:r>
+            <a:r>
+              <a:rPr lang="en-SG" sz="1400" dirty="0" err="1">
+                <a:solidFill>
+                  <a:prstClr val="white"/>
+                </a:solidFill>
+              </a:rPr>
+              <a:t>getSubject</a:t>
+            </a:r>
+            <a:r>
+              <a:rPr lang="en-SG" sz="1400" dirty="0">
+                <a:solidFill>
+                  <a:prstClr val="white"/>
+                </a:solidFill>
+              </a:rPr>
+              <a:t>() : String</a:t>
+            </a:r>
+          </a:p>
+          <a:p>
+            <a:pPr algn="ctr"/>
+            <a:r>
+              <a:rPr lang="en-SG" sz="1400" dirty="0">
+                <a:solidFill>
+                  <a:prstClr val="white"/>
+                </a:solidFill>
+              </a:rPr>
+              <a:t>+ </a:t>
+            </a:r>
+            <a:r>
+              <a:rPr lang="en-SG" sz="1400" dirty="0" err="1">
+                <a:solidFill>
+                  <a:prstClr val="white"/>
+                </a:solidFill>
+              </a:rPr>
+              <a:t>getLevel</a:t>
+            </a:r>
+            <a:r>
+              <a:rPr lang="en-SG" sz="1400" dirty="0">
+                <a:solidFill>
+                  <a:prstClr val="white"/>
+                </a:solidFill>
+              </a:rPr>
+              <a:t>() : String</a:t>
+            </a:r>
+          </a:p>
+          <a:p>
+            <a:pPr algn="ctr"/>
+            <a:r>
+              <a:rPr lang="en-SG" sz="1400" dirty="0">
+                <a:solidFill>
+                  <a:prstClr val="white"/>
+                </a:solidFill>
+              </a:rPr>
+              <a:t>+ </a:t>
+            </a:r>
+            <a:r>
+              <a:rPr lang="en-SG" sz="1400" dirty="0" err="1">
+                <a:solidFill>
+                  <a:prstClr val="white"/>
+                </a:solidFill>
+              </a:rPr>
+              <a:t>getPrice</a:t>
+            </a:r>
+            <a:r>
+              <a:rPr lang="en-SG" sz="1400" dirty="0">
+                <a:solidFill>
+                  <a:prstClr val="white"/>
+                </a:solidFill>
+              </a:rPr>
+              <a:t>() : String</a:t>
+            </a:r>
+          </a:p>
+          <a:p>
+            <a:pPr algn="ctr"/>
+            <a:r>
+              <a:rPr lang="en-SG" sz="1400" dirty="0">
+                <a:solidFill>
+                  <a:prstClr val="white"/>
+                </a:solidFill>
+              </a:rPr>
+              <a:t>+ </a:t>
+            </a:r>
+            <a:r>
+              <a:rPr lang="en-SG" sz="1400" dirty="0" err="1">
+                <a:solidFill>
+                  <a:prstClr val="white"/>
+                </a:solidFill>
+              </a:rPr>
+              <a:t>getPairName</a:t>
+            </a:r>
+            <a:r>
+              <a:rPr lang="en-SG" sz="1400" dirty="0">
+                <a:solidFill>
+                  <a:prstClr val="white"/>
+                </a:solidFill>
+              </a:rPr>
+              <a:t>() : String</a:t>
+            </a:r>
+          </a:p>
+          <a:p>
+            <a:pPr algn="ctr"/>
+            <a:r>
+              <a:rPr lang="en-SG" sz="1400" dirty="0">
+                <a:solidFill>
+                  <a:prstClr val="white"/>
+                </a:solidFill>
+              </a:rPr>
+              <a:t>+ </a:t>
+            </a:r>
+            <a:r>
+              <a:rPr lang="en-SG" sz="1400" dirty="0" err="1">
+                <a:solidFill>
+                  <a:prstClr val="white"/>
+                </a:solidFill>
+              </a:rPr>
+              <a:t>getPairHash</a:t>
+            </a:r>
+            <a:r>
+              <a:rPr lang="en-SG" sz="1400" dirty="0">
+                <a:solidFill>
+                  <a:prstClr val="white"/>
+                </a:solidFill>
+              </a:rPr>
+              <a:t>() : </a:t>
+            </a:r>
+            <a:r>
+              <a:rPr lang="en-SG" sz="1400" dirty="0" err="1">
+                <a:solidFill>
+                  <a:prstClr val="white"/>
+                </a:solidFill>
+              </a:rPr>
+              <a:t>PairHash</a:t>
+            </a:r>
+            <a:endParaRPr lang="en-SG" sz="1400" dirty="0">
+              <a:solidFill>
+                <a:prstClr val="white"/>
+              </a:solidFill>
+            </a:endParaRPr>
+          </a:p>
+          <a:p>
+            <a:pPr algn="ctr"/>
+            <a:r>
+              <a:rPr lang="en-SG" sz="1400" dirty="0">
+                <a:solidFill>
+                  <a:prstClr val="white"/>
+                </a:solidFill>
+              </a:rPr>
+              <a:t>+ </a:t>
+            </a:r>
+            <a:r>
+              <a:rPr lang="en-SG" sz="1400" dirty="0" err="1">
+                <a:solidFill>
+                  <a:prstClr val="white"/>
+                </a:solidFill>
+              </a:rPr>
+              <a:t>getTags</a:t>
+            </a:r>
+            <a:r>
+              <a:rPr lang="en-SG" sz="1400" dirty="0">
+                <a:solidFill>
+                  <a:prstClr val="white"/>
+                </a:solidFill>
+              </a:rPr>
+              <a:t> : </a:t>
+            </a:r>
+            <a:r>
+              <a:rPr lang="en-SG" sz="1400" u="sng" dirty="0">
+                <a:solidFill>
+                  <a:prstClr val="white"/>
+                </a:solidFill>
+              </a:rPr>
+              <a:t>Set&lt;Tag&gt;</a:t>
+            </a:r>
+          </a:p>
+          <a:p>
+            <a:pPr lvl="0" algn="ctr">
+              <a:defRPr/>
+            </a:pPr>
+            <a:r>
+              <a:rPr lang="en-SG" sz="1400" dirty="0">
+                <a:solidFill>
+                  <a:prstClr val="white"/>
+                </a:solidFill>
+              </a:rPr>
+              <a:t>+ </a:t>
+            </a:r>
+            <a:r>
+              <a:rPr lang="en-SG" sz="1400" dirty="0" err="1">
+                <a:solidFill>
+                  <a:prstClr val="white"/>
+                </a:solidFill>
+              </a:rPr>
+              <a:t>toString</a:t>
+            </a:r>
+            <a:r>
+              <a:rPr lang="en-SG" sz="1400" dirty="0">
+                <a:solidFill>
+                  <a:prstClr val="white"/>
+                </a:solidFill>
+              </a:rPr>
+              <a:t>() : String</a:t>
+            </a:r>
+          </a:p>
+          <a:p>
+            <a:pPr lvl="0" algn="ctr">
+              <a:defRPr/>
+            </a:pPr>
+            <a:r>
+              <a:rPr lang="en-SG" sz="1400" dirty="0">
+                <a:solidFill>
+                  <a:prstClr val="white"/>
+                </a:solidFill>
+              </a:rPr>
+              <a:t>+ equals(Object) : Boolean</a:t>
+            </a:r>
+          </a:p>
+          <a:p>
+            <a:pPr algn="ctr"/>
+            <a:endParaRPr lang="en-SG" u="sng" dirty="0">
+              <a:solidFill>
+                <a:prstClr val="white"/>
+              </a:solidFill>
+            </a:endParaRPr>
+          </a:p>
+          <a:p>
+            <a:pPr algn="ctr"/>
+            <a:endParaRPr lang="en-SG" dirty="0">
+              <a:solidFill>
+                <a:prstClr val="white"/>
+              </a:solidFill>
+            </a:endParaRPr>
+          </a:p>
+          <a:p>
+            <a:pPr algn="ctr"/>
+            <a:endParaRPr lang="en-SG" dirty="0">
+              <a:solidFill>
+                <a:prstClr val="white"/>
+              </a:solidFill>
+            </a:endParaRPr>
+          </a:p>
+          <a:p>
+            <a:pPr algn="ctr"/>
+            <a:endParaRPr lang="en-SG" dirty="0">
+              <a:solidFill>
+                <a:prstClr val="white"/>
+              </a:solidFill>
+            </a:endParaRPr>
+          </a:p>
+          <a:p>
+            <a:pPr marR="0" lvl="0" algn="ctr" defTabSz="914400" rtl="0" eaLnBrk="1" fontAlgn="auto" latinLnBrk="0" hangingPunct="1">
+              <a:lnSpc>
+                <a:spcPct val="100000"/>
+              </a:lnSpc>
+              <a:spcBef>
+                <a:spcPts val="0"/>
+              </a:spcBef>
+              <a:spcAft>
+                <a:spcPts val="0"/>
+              </a:spcAft>
+              <a:buClrTx/>
+              <a:buSzTx/>
+              <a:tabLst/>
+              <a:defRPr/>
+            </a:pPr>
+            <a:endParaRPr lang="en-SG" dirty="0">
+              <a:solidFill>
+                <a:prstClr val="white"/>
               </a:solidFill>
             </a:endParaRPr>
           </a:p>
@@ -4494,7 +6218,7 @@
     </p:spTree>
     <p:extLst>
       <p:ext uri="{BB962C8B-B14F-4D97-AF65-F5344CB8AC3E}">
-        <p14:creationId xmlns:p14="http://schemas.microsoft.com/office/powerpoint/2010/main" val="1762820124"/>
+        <p14:creationId xmlns:p14="http://schemas.microsoft.com/office/powerpoint/2010/main" val="2477886915"/>
       </p:ext>
     </p:extLst>
   </p:cSld>

--- a/docs/diagrams/PairClassDiagram.pptx
+++ b/docs/diagrams/PairClassDiagram.pptx
@@ -262,7 +262,7 @@
           <a:p>
             <a:fld id="{40C39A02-4836-4393-A3A4-9294DF1CF6ED}" type="datetimeFigureOut">
               <a:rPr lang="en-SG" smtClean="0"/>
-              <a:t>13/4/2018</a:t>
+              <a:t>14/4/2018</a:t>
             </a:fld>
             <a:endParaRPr lang="en-SG"/>
           </a:p>
@@ -462,7 +462,7 @@
           <a:p>
             <a:fld id="{40C39A02-4836-4393-A3A4-9294DF1CF6ED}" type="datetimeFigureOut">
               <a:rPr lang="en-SG" smtClean="0"/>
-              <a:t>13/4/2018</a:t>
+              <a:t>14/4/2018</a:t>
             </a:fld>
             <a:endParaRPr lang="en-SG"/>
           </a:p>
@@ -672,7 +672,7 @@
           <a:p>
             <a:fld id="{40C39A02-4836-4393-A3A4-9294DF1CF6ED}" type="datetimeFigureOut">
               <a:rPr lang="en-SG" smtClean="0"/>
-              <a:t>13/4/2018</a:t>
+              <a:t>14/4/2018</a:t>
             </a:fld>
             <a:endParaRPr lang="en-SG"/>
           </a:p>
@@ -872,7 +872,7 @@
           <a:p>
             <a:fld id="{40C39A02-4836-4393-A3A4-9294DF1CF6ED}" type="datetimeFigureOut">
               <a:rPr lang="en-SG" smtClean="0"/>
-              <a:t>13/4/2018</a:t>
+              <a:t>14/4/2018</a:t>
             </a:fld>
             <a:endParaRPr lang="en-SG"/>
           </a:p>
@@ -1148,7 +1148,7 @@
           <a:p>
             <a:fld id="{40C39A02-4836-4393-A3A4-9294DF1CF6ED}" type="datetimeFigureOut">
               <a:rPr lang="en-SG" smtClean="0"/>
-              <a:t>13/4/2018</a:t>
+              <a:t>14/4/2018</a:t>
             </a:fld>
             <a:endParaRPr lang="en-SG"/>
           </a:p>
@@ -1416,7 +1416,7 @@
           <a:p>
             <a:fld id="{40C39A02-4836-4393-A3A4-9294DF1CF6ED}" type="datetimeFigureOut">
               <a:rPr lang="en-SG" smtClean="0"/>
-              <a:t>13/4/2018</a:t>
+              <a:t>14/4/2018</a:t>
             </a:fld>
             <a:endParaRPr lang="en-SG"/>
           </a:p>
@@ -1831,7 +1831,7 @@
           <a:p>
             <a:fld id="{40C39A02-4836-4393-A3A4-9294DF1CF6ED}" type="datetimeFigureOut">
               <a:rPr lang="en-SG" smtClean="0"/>
-              <a:t>13/4/2018</a:t>
+              <a:t>14/4/2018</a:t>
             </a:fld>
             <a:endParaRPr lang="en-SG"/>
           </a:p>
@@ -1973,7 +1973,7 @@
           <a:p>
             <a:fld id="{40C39A02-4836-4393-A3A4-9294DF1CF6ED}" type="datetimeFigureOut">
               <a:rPr lang="en-SG" smtClean="0"/>
-              <a:t>13/4/2018</a:t>
+              <a:t>14/4/2018</a:t>
             </a:fld>
             <a:endParaRPr lang="en-SG"/>
           </a:p>
@@ -2086,7 +2086,7 @@
           <a:p>
             <a:fld id="{40C39A02-4836-4393-A3A4-9294DF1CF6ED}" type="datetimeFigureOut">
               <a:rPr lang="en-SG" smtClean="0"/>
-              <a:t>13/4/2018</a:t>
+              <a:t>14/4/2018</a:t>
             </a:fld>
             <a:endParaRPr lang="en-SG"/>
           </a:p>
@@ -2399,7 +2399,7 @@
           <a:p>
             <a:fld id="{40C39A02-4836-4393-A3A4-9294DF1CF6ED}" type="datetimeFigureOut">
               <a:rPr lang="en-SG" smtClean="0"/>
-              <a:t>13/4/2018</a:t>
+              <a:t>14/4/2018</a:t>
             </a:fld>
             <a:endParaRPr lang="en-SG"/>
           </a:p>
@@ -2688,7 +2688,7 @@
           <a:p>
             <a:fld id="{40C39A02-4836-4393-A3A4-9294DF1CF6ED}" type="datetimeFigureOut">
               <a:rPr lang="en-SG" smtClean="0"/>
-              <a:t>13/4/2018</a:t>
+              <a:t>14/4/2018</a:t>
             </a:fld>
             <a:endParaRPr lang="en-SG"/>
           </a:p>
@@ -2931,7 +2931,7 @@
           <a:p>
             <a:fld id="{40C39A02-4836-4393-A3A4-9294DF1CF6ED}" type="datetimeFigureOut">
               <a:rPr lang="en-SG" smtClean="0"/>
-              <a:t>13/4/2018</a:t>
+              <a:t>14/4/2018</a:t>
             </a:fld>
             <a:endParaRPr lang="en-SG"/>
           </a:p>
@@ -4858,7 +4858,7 @@
         <p:spPr>
           <a:xfrm>
             <a:off x="6848338" y="864492"/>
-            <a:ext cx="5020007" cy="2441960"/>
+            <a:ext cx="5020007" cy="1521356"/>
           </a:xfrm>
           <a:prstGeom prst="rect">
             <a:avLst/>
@@ -5119,8 +5119,8 @@
         </p:nvSpPr>
         <p:spPr>
           <a:xfrm>
-            <a:off x="6848337" y="3306452"/>
-            <a:ext cx="5020007" cy="2441960"/>
+            <a:off x="6848337" y="2385848"/>
+            <a:ext cx="5020007" cy="2102412"/>
           </a:xfrm>
           <a:prstGeom prst="rect">
             <a:avLst/>
@@ -5325,7 +5325,7 @@
               <a:defRPr/>
             </a:pPr>
             <a:r>
-              <a:rPr lang="en-SG" sz="1400" dirty="0">
+              <a:rPr lang="en-SG" sz="1400" u="sng" dirty="0">
                 <a:solidFill>
                   <a:prstClr val="white"/>
                 </a:solidFill>
@@ -5334,23 +5334,81 @@
               <a:t>+ </a:t>
             </a:r>
             <a:r>
-              <a:rPr lang="en-SG" sz="1400" dirty="0" err="1">
+              <a:rPr lang="en-SG" sz="1400" u="sng" dirty="0" err="1">
                 <a:solidFill>
                   <a:prstClr val="white"/>
                 </a:solidFill>
                 <a:latin typeface="Calibri" panose="020F0502020204030204"/>
               </a:rPr>
-              <a:t>toString</a:t>
-            </a:r>
-            <a:r>
-              <a:rPr lang="en-SG" sz="1400" dirty="0">
+              <a:t>getDefaultPairHashSet</a:t>
+            </a:r>
+            <a:r>
+              <a:rPr lang="en-SG" sz="1400" u="sng" dirty="0">
                 <a:solidFill>
                   <a:prstClr val="white"/>
                 </a:solidFill>
                 <a:latin typeface="Calibri" panose="020F0502020204030204"/>
               </a:rPr>
-              <a:t>() : String</a:t>
-            </a:r>
+              <a:t>() : Set&lt;</a:t>
+            </a:r>
+            <a:r>
+              <a:rPr lang="en-SG" sz="1400" u="sng" dirty="0" err="1">
+                <a:solidFill>
+                  <a:prstClr val="white"/>
+                </a:solidFill>
+                <a:latin typeface="Calibri" panose="020F0502020204030204"/>
+              </a:rPr>
+              <a:t>PairHash</a:t>
+            </a:r>
+            <a:r>
+              <a:rPr lang="en-SG" sz="1400" u="sng" dirty="0">
+                <a:solidFill>
+                  <a:prstClr val="white"/>
+                </a:solidFill>
+                <a:latin typeface="Calibri" panose="020F0502020204030204"/>
+              </a:rPr>
+              <a:t>&gt;</a:t>
+            </a:r>
+          </a:p>
+          <a:p>
+            <a:pPr algn="ctr"/>
+            <a:r>
+              <a:rPr lang="en-SG" sz="1400" u="sng" dirty="0">
+                <a:solidFill>
+                  <a:prstClr val="white"/>
+                </a:solidFill>
+              </a:rPr>
+              <a:t>+ </a:t>
+            </a:r>
+            <a:r>
+              <a:rPr lang="en-SG" sz="1400" u="sng" dirty="0" err="1">
+                <a:solidFill>
+                  <a:prstClr val="white"/>
+                </a:solidFill>
+              </a:rPr>
+              <a:t>isValidPairHash</a:t>
+            </a:r>
+            <a:r>
+              <a:rPr lang="en-SG" sz="1400" u="sng" dirty="0">
+                <a:solidFill>
+                  <a:prstClr val="white"/>
+                </a:solidFill>
+              </a:rPr>
+              <a:t>(String) : </a:t>
+            </a:r>
+            <a:r>
+              <a:rPr lang="en-SG" sz="1400" u="sng" dirty="0" err="1">
+                <a:solidFill>
+                  <a:prstClr val="white"/>
+                </a:solidFill>
+              </a:rPr>
+              <a:t>boolean</a:t>
+            </a:r>
+            <a:endParaRPr lang="en-SG" sz="1400" u="sng" dirty="0">
+              <a:solidFill>
+                <a:prstClr val="white"/>
+              </a:solidFill>
+            </a:endParaRPr>
           </a:p>
           <a:p>
             <a:pPr marL="0" marR="0" lvl="0" indent="0" algn="ctr" defTabSz="914400" rtl="0" eaLnBrk="1" fontAlgn="auto" latinLnBrk="0" hangingPunct="1">
@@ -5370,199 +5428,6 @@
               <a:tabLst/>
               <a:defRPr/>
             </a:pPr>
-            <a:r>
-              <a:rPr lang="en-SG" sz="1400" dirty="0">
-                <a:solidFill>
-                  <a:prstClr val="white"/>
-                </a:solidFill>
-                <a:latin typeface="Calibri" panose="020F0502020204030204"/>
-              </a:rPr>
-              <a:t>+ equals(Object) : Boolean</a:t>
-            </a:r>
-          </a:p>
-          <a:p>
-            <a:pPr marL="0" marR="0" lvl="0" indent="0" algn="ctr" defTabSz="914400" rtl="0" eaLnBrk="1" fontAlgn="auto" latinLnBrk="0" hangingPunct="1">
-              <a:lnSpc>
-                <a:spcPct val="100000"/>
-              </a:lnSpc>
-              <a:spcBef>
-                <a:spcPts val="0"/>
-              </a:spcBef>
-              <a:spcAft>
-                <a:spcPts val="0"/>
-              </a:spcAft>
-              <a:buClrTx/>
-              <a:buSzTx/>
-              <a:buFontTx/>
-              <a:buNone/>
-              <a:tabLst/>
-              <a:defRPr/>
-            </a:pPr>
-            <a:r>
-              <a:rPr lang="en-SG" sz="1400" dirty="0">
-                <a:solidFill>
-                  <a:prstClr val="white"/>
-                </a:solidFill>
-                <a:latin typeface="Calibri" panose="020F0502020204030204"/>
-              </a:rPr>
-              <a:t>+ </a:t>
-            </a:r>
-            <a:r>
-              <a:rPr lang="en-SG" sz="1400" dirty="0" err="1">
-                <a:solidFill>
-                  <a:prstClr val="white"/>
-                </a:solidFill>
-                <a:latin typeface="Calibri" panose="020F0502020204030204"/>
-              </a:rPr>
-              <a:t>getValue</a:t>
-            </a:r>
-            <a:r>
-              <a:rPr lang="en-SG" sz="1400" dirty="0">
-                <a:solidFill>
-                  <a:prstClr val="white"/>
-                </a:solidFill>
-                <a:latin typeface="Calibri" panose="020F0502020204030204"/>
-              </a:rPr>
-              <a:t>() :</a:t>
-            </a:r>
-            <a:r>
-              <a:rPr lang="en-SG" sz="1400" dirty="0" err="1">
-                <a:solidFill>
-                  <a:prstClr val="white"/>
-                </a:solidFill>
-                <a:latin typeface="Calibri" panose="020F0502020204030204"/>
-              </a:rPr>
-              <a:t>int</a:t>
-            </a:r>
-            <a:endParaRPr lang="en-SG" sz="1400" dirty="0">
-              <a:solidFill>
-                <a:prstClr val="white"/>
-              </a:solidFill>
-              <a:latin typeface="Calibri" panose="020F0502020204030204"/>
-            </a:endParaRPr>
-          </a:p>
-          <a:p>
-            <a:pPr marL="0" marR="0" lvl="0" indent="0" algn="ctr" defTabSz="914400" rtl="0" eaLnBrk="1" fontAlgn="auto" latinLnBrk="0" hangingPunct="1">
-              <a:lnSpc>
-                <a:spcPct val="100000"/>
-              </a:lnSpc>
-              <a:spcBef>
-                <a:spcPts val="0"/>
-              </a:spcBef>
-              <a:spcAft>
-                <a:spcPts val="0"/>
-              </a:spcAft>
-              <a:buClrTx/>
-              <a:buSzTx/>
-              <a:buFontTx/>
-              <a:buNone/>
-              <a:tabLst/>
-              <a:defRPr/>
-            </a:pPr>
-            <a:r>
-              <a:rPr lang="en-SG" sz="1400" u="sng" dirty="0">
-                <a:solidFill>
-                  <a:prstClr val="white"/>
-                </a:solidFill>
-                <a:latin typeface="Calibri" panose="020F0502020204030204"/>
-              </a:rPr>
-              <a:t>+ </a:t>
-            </a:r>
-            <a:r>
-              <a:rPr lang="en-SG" sz="1400" u="sng" dirty="0" err="1">
-                <a:solidFill>
-                  <a:prstClr val="white"/>
-                </a:solidFill>
-                <a:latin typeface="Calibri" panose="020F0502020204030204"/>
-              </a:rPr>
-              <a:t>getDefaultPairHashSet</a:t>
-            </a:r>
-            <a:r>
-              <a:rPr lang="en-SG" sz="1400" u="sng" dirty="0">
-                <a:solidFill>
-                  <a:prstClr val="white"/>
-                </a:solidFill>
-                <a:latin typeface="Calibri" panose="020F0502020204030204"/>
-              </a:rPr>
-              <a:t>() : Set&lt;</a:t>
-            </a:r>
-            <a:r>
-              <a:rPr lang="en-SG" sz="1400" u="sng" dirty="0" err="1">
-                <a:solidFill>
-                  <a:prstClr val="white"/>
-                </a:solidFill>
-                <a:latin typeface="Calibri" panose="020F0502020204030204"/>
-              </a:rPr>
-              <a:t>PairHash</a:t>
-            </a:r>
-            <a:r>
-              <a:rPr lang="en-SG" sz="1400" u="sng" dirty="0">
-                <a:solidFill>
-                  <a:prstClr val="white"/>
-                </a:solidFill>
-                <a:latin typeface="Calibri" panose="020F0502020204030204"/>
-              </a:rPr>
-              <a:t>&gt;</a:t>
-            </a:r>
-          </a:p>
-          <a:p>
-            <a:pPr algn="ctr"/>
-            <a:r>
-              <a:rPr lang="en-SG" sz="1400" u="sng" dirty="0">
-                <a:solidFill>
-                  <a:prstClr val="white"/>
-                </a:solidFill>
-              </a:rPr>
-              <a:t>+ </a:t>
-            </a:r>
-            <a:r>
-              <a:rPr lang="en-SG" sz="1400" u="sng" dirty="0" err="1">
-                <a:solidFill>
-                  <a:prstClr val="white"/>
-                </a:solidFill>
-              </a:rPr>
-              <a:t>isValidPairHash</a:t>
-            </a:r>
-            <a:r>
-              <a:rPr lang="en-SG" sz="1400" u="sng" dirty="0">
-                <a:solidFill>
-                  <a:prstClr val="white"/>
-                </a:solidFill>
-              </a:rPr>
-              <a:t>(String) : </a:t>
-            </a:r>
-            <a:r>
-              <a:rPr lang="en-SG" sz="1400" u="sng" dirty="0" err="1">
-                <a:solidFill>
-                  <a:prstClr val="white"/>
-                </a:solidFill>
-              </a:rPr>
-              <a:t>boolean</a:t>
-            </a:r>
-            <a:endParaRPr lang="en-SG" sz="1400" u="sng" dirty="0">
-              <a:solidFill>
-                <a:prstClr val="white"/>
-              </a:solidFill>
-            </a:endParaRPr>
-          </a:p>
-          <a:p>
-            <a:pPr marL="0" marR="0" lvl="0" indent="0" algn="ctr" defTabSz="914400" rtl="0" eaLnBrk="1" fontAlgn="auto" latinLnBrk="0" hangingPunct="1">
-              <a:lnSpc>
-                <a:spcPct val="100000"/>
-              </a:lnSpc>
-              <a:spcBef>
-                <a:spcPts val="0"/>
-              </a:spcBef>
-              <a:spcAft>
-                <a:spcPts val="0"/>
-              </a:spcAft>
-              <a:buClrTx/>
-              <a:buSzTx/>
-              <a:buFontTx/>
-              <a:buNone/>
-              <a:tabLst/>
-              <a:defRPr/>
-            </a:pPr>
             <a:endParaRPr lang="en-SG" u="sng" dirty="0">
               <a:solidFill>
                 <a:prstClr val="white"/>
@@ -5586,8 +5451,8 @@
         </p:nvSpPr>
         <p:spPr>
           <a:xfrm>
-            <a:off x="704941" y="3281886"/>
-            <a:ext cx="3922520" cy="3273024"/>
+            <a:off x="692147" y="3303249"/>
+            <a:ext cx="3922520" cy="1185011"/>
           </a:xfrm>
           <a:prstGeom prst="rect">
             <a:avLst/>
@@ -5660,7 +5525,7 @@
               <a:tabLst/>
               <a:defRPr/>
             </a:pPr>
-            <a:endParaRPr lang="en-SG" sz="1400" dirty="0">
+            <a:endParaRPr lang="en-SG" sz="1400" u="sng" dirty="0">
               <a:solidFill>
                 <a:prstClr val="white"/>
               </a:solidFill>
@@ -5864,299 +5729,6 @@
                 </a:solidFill>
               </a:rPr>
               <a:t>+ Pair (Person, Person, Subject, Level, Price)</a:t>
-            </a:r>
-          </a:p>
-          <a:p>
-            <a:pPr marR="0" lvl="0" algn="ctr" defTabSz="914400" rtl="0" eaLnBrk="1" fontAlgn="auto" latinLnBrk="0" hangingPunct="1">
-              <a:lnSpc>
-                <a:spcPct val="100000"/>
-              </a:lnSpc>
-              <a:spcBef>
-                <a:spcPts val="0"/>
-              </a:spcBef>
-              <a:spcAft>
-                <a:spcPts val="0"/>
-              </a:spcAft>
-              <a:buClrTx/>
-              <a:buSzTx/>
-              <a:tabLst/>
-              <a:defRPr/>
-            </a:pPr>
-            <a:r>
-              <a:rPr lang="en-SG" sz="1400" dirty="0">
-                <a:solidFill>
-                  <a:prstClr val="white"/>
-                </a:solidFill>
-              </a:rPr>
-              <a:t>+ </a:t>
-            </a:r>
-            <a:r>
-              <a:rPr lang="en-SG" sz="1400" dirty="0" err="1">
-                <a:solidFill>
-                  <a:prstClr val="white"/>
-                </a:solidFill>
-              </a:rPr>
-              <a:t>getStudentName</a:t>
-            </a:r>
-            <a:r>
-              <a:rPr lang="en-SG" sz="1400" dirty="0">
-                <a:solidFill>
-                  <a:prstClr val="white"/>
-                </a:solidFill>
-              </a:rPr>
-              <a:t>() : String</a:t>
-            </a:r>
-          </a:p>
-          <a:p>
-            <a:pPr algn="ctr"/>
-            <a:r>
-              <a:rPr lang="en-SG" sz="1400" dirty="0">
-                <a:solidFill>
-                  <a:prstClr val="white"/>
-                </a:solidFill>
-              </a:rPr>
-              <a:t>+ </a:t>
-            </a:r>
-            <a:r>
-              <a:rPr lang="en-SG" sz="1400" dirty="0" err="1">
-                <a:solidFill>
-                  <a:prstClr val="white"/>
-                </a:solidFill>
-              </a:rPr>
-              <a:t>getTutorName</a:t>
-            </a:r>
-            <a:r>
-              <a:rPr lang="en-SG" sz="1400" dirty="0">
-                <a:solidFill>
-                  <a:prstClr val="white"/>
-                </a:solidFill>
-              </a:rPr>
-              <a:t>() : String</a:t>
-            </a:r>
-          </a:p>
-          <a:p>
-            <a:pPr algn="ctr"/>
-            <a:r>
-              <a:rPr lang="en-SG" sz="1400" dirty="0">
-                <a:solidFill>
-                  <a:prstClr val="white"/>
-                </a:solidFill>
-              </a:rPr>
-              <a:t>+ </a:t>
-            </a:r>
-            <a:r>
-              <a:rPr lang="en-SG" sz="1400" dirty="0" err="1">
-                <a:solidFill>
-                  <a:prstClr val="white"/>
-                </a:solidFill>
-              </a:rPr>
-              <a:t>getSubject</a:t>
-            </a:r>
-            <a:r>
-              <a:rPr lang="en-SG" sz="1400" dirty="0">
-                <a:solidFill>
-                  <a:prstClr val="white"/>
-                </a:solidFill>
-              </a:rPr>
-              <a:t>() : String</a:t>
-            </a:r>
-          </a:p>
-          <a:p>
-            <a:pPr algn="ctr"/>
-            <a:r>
-              <a:rPr lang="en-SG" sz="1400" dirty="0">
-                <a:solidFill>
-                  <a:prstClr val="white"/>
-                </a:solidFill>
-              </a:rPr>
-              <a:t>+ </a:t>
-            </a:r>
-            <a:r>
-              <a:rPr lang="en-SG" sz="1400" dirty="0" err="1">
-                <a:solidFill>
-                  <a:prstClr val="white"/>
-                </a:solidFill>
-              </a:rPr>
-              <a:t>getLevel</a:t>
-            </a:r>
-            <a:r>
-              <a:rPr lang="en-SG" sz="1400" dirty="0">
-                <a:solidFill>
-                  <a:prstClr val="white"/>
-                </a:solidFill>
-              </a:rPr>
-              <a:t>() : String</a:t>
-            </a:r>
-          </a:p>
-          <a:p>
-            <a:pPr algn="ctr"/>
-            <a:r>
-              <a:rPr lang="en-SG" sz="1400" dirty="0">
-                <a:solidFill>
-                  <a:prstClr val="white"/>
-                </a:solidFill>
-              </a:rPr>
-              <a:t>+ </a:t>
-            </a:r>
-            <a:r>
-              <a:rPr lang="en-SG" sz="1400" dirty="0" err="1">
-                <a:solidFill>
-                  <a:prstClr val="white"/>
-                </a:solidFill>
-              </a:rPr>
-              <a:t>getPrice</a:t>
-            </a:r>
-            <a:r>
-              <a:rPr lang="en-SG" sz="1400" dirty="0">
-                <a:solidFill>
-                  <a:prstClr val="white"/>
-                </a:solidFill>
-              </a:rPr>
-              <a:t>() : String</a:t>
-            </a:r>
-          </a:p>
-          <a:p>
-            <a:pPr algn="ctr"/>
-            <a:r>
-              <a:rPr lang="en-SG" sz="1400" dirty="0">
-                <a:solidFill>
-                  <a:prstClr val="white"/>
-                </a:solidFill>
-              </a:rPr>
-              <a:t>+ </a:t>
-            </a:r>
-            <a:r>
-              <a:rPr lang="en-SG" sz="1400" dirty="0" err="1">
-                <a:solidFill>
-                  <a:prstClr val="white"/>
-                </a:solidFill>
-              </a:rPr>
-              <a:t>getPairName</a:t>
-            </a:r>
-            <a:r>
-              <a:rPr lang="en-SG" sz="1400" dirty="0">
-                <a:solidFill>
-                  <a:prstClr val="white"/>
-                </a:solidFill>
-              </a:rPr>
-              <a:t>() : String</a:t>
-            </a:r>
-          </a:p>
-          <a:p>
-            <a:pPr algn="ctr"/>
-            <a:r>
-              <a:rPr lang="en-SG" sz="1400" dirty="0">
-                <a:solidFill>
-                  <a:prstClr val="white"/>
-                </a:solidFill>
-              </a:rPr>
-              <a:t>+ </a:t>
-            </a:r>
-            <a:r>
-              <a:rPr lang="en-SG" sz="1400" dirty="0" err="1">
-                <a:solidFill>
-                  <a:prstClr val="white"/>
-                </a:solidFill>
-              </a:rPr>
-              <a:t>getPairHash</a:t>
-            </a:r>
-            <a:r>
-              <a:rPr lang="en-SG" sz="1400" dirty="0">
-                <a:solidFill>
-                  <a:prstClr val="white"/>
-                </a:solidFill>
-              </a:rPr>
-              <a:t>() : </a:t>
-            </a:r>
-            <a:r>
-              <a:rPr lang="en-SG" sz="1400" dirty="0" err="1">
-                <a:solidFill>
-                  <a:prstClr val="white"/>
-                </a:solidFill>
-              </a:rPr>
-              <a:t>PairHash</a:t>
-            </a:r>
-            <a:endParaRPr lang="en-SG" sz="1400" dirty="0">
-              <a:solidFill>
-                <a:prstClr val="white"/>
-              </a:solidFill>
-            </a:endParaRPr>
-          </a:p>
-          <a:p>
-            <a:pPr algn="ctr"/>
-            <a:r>
-              <a:rPr lang="en-SG" sz="1400" dirty="0">
-                <a:solidFill>
-                  <a:prstClr val="white"/>
-                </a:solidFill>
-              </a:rPr>
-              <a:t>+ </a:t>
-            </a:r>
-            <a:r>
-              <a:rPr lang="en-SG" sz="1400" dirty="0" err="1">
-                <a:solidFill>
-                  <a:prstClr val="white"/>
-                </a:solidFill>
-              </a:rPr>
-              <a:t>getTags</a:t>
-            </a:r>
-            <a:r>
-              <a:rPr lang="en-SG" sz="1400" dirty="0">
-                <a:solidFill>
-                  <a:prstClr val="white"/>
-                </a:solidFill>
-              </a:rPr>
-              <a:t> : </a:t>
-            </a:r>
-            <a:r>
-              <a:rPr lang="en-SG" sz="1400" u="sng" dirty="0">
-                <a:solidFill>
-                  <a:prstClr val="white"/>
-                </a:solidFill>
-              </a:rPr>
-              <a:t>Set&lt;Tag&gt;</a:t>
-            </a:r>
-          </a:p>
-          <a:p>
-            <a:pPr lvl="0" algn="ctr">
-              <a:defRPr/>
-            </a:pPr>
-            <a:r>
-              <a:rPr lang="en-SG" sz="1400" dirty="0">
-                <a:solidFill>
-                  <a:prstClr val="white"/>
-                </a:solidFill>
-              </a:rPr>
-              <a:t>+ </a:t>
-            </a:r>
-            <a:r>
-              <a:rPr lang="en-SG" sz="1400" dirty="0" err="1">
-                <a:solidFill>
-                  <a:prstClr val="white"/>
-                </a:solidFill>
-              </a:rPr>
-              <a:t>toString</a:t>
-            </a:r>
-            <a:r>
-              <a:rPr lang="en-SG" sz="1400" dirty="0">
-                <a:solidFill>
-                  <a:prstClr val="white"/>
-                </a:solidFill>
-              </a:rPr>
-              <a:t>() : String</a:t>
-            </a:r>
-          </a:p>
-          <a:p>
-            <a:pPr lvl="0" algn="ctr">
-              <a:defRPr/>
-            </a:pPr>
-            <a:r>
-              <a:rPr lang="en-SG" sz="1400" dirty="0">
-                <a:solidFill>
-                  <a:prstClr val="white"/>
-                </a:solidFill>
-              </a:rPr>
-              <a:t>+ equals(Object) : Boolean</a:t>
             </a:r>
           </a:p>
           <a:p>

--- a/docs/diagrams/PairClassDiagram.pptx
+++ b/docs/diagrams/PairClassDiagram.pptx
@@ -262,7 +262,7 @@
           <a:p>
             <a:fld id="{40C39A02-4836-4393-A3A4-9294DF1CF6ED}" type="datetimeFigureOut">
               <a:rPr lang="en-SG" smtClean="0"/>
-              <a:t>14/4/2018</a:t>
+              <a:t>15/4/2018</a:t>
             </a:fld>
             <a:endParaRPr lang="en-SG"/>
           </a:p>
@@ -462,7 +462,7 @@
           <a:p>
             <a:fld id="{40C39A02-4836-4393-A3A4-9294DF1CF6ED}" type="datetimeFigureOut">
               <a:rPr lang="en-SG" smtClean="0"/>
-              <a:t>14/4/2018</a:t>
+              <a:t>15/4/2018</a:t>
             </a:fld>
             <a:endParaRPr lang="en-SG"/>
           </a:p>
@@ -672,7 +672,7 @@
           <a:p>
             <a:fld id="{40C39A02-4836-4393-A3A4-9294DF1CF6ED}" type="datetimeFigureOut">
               <a:rPr lang="en-SG" smtClean="0"/>
-              <a:t>14/4/2018</a:t>
+              <a:t>15/4/2018</a:t>
             </a:fld>
             <a:endParaRPr lang="en-SG"/>
           </a:p>
@@ -872,7 +872,7 @@
           <a:p>
             <a:fld id="{40C39A02-4836-4393-A3A4-9294DF1CF6ED}" type="datetimeFigureOut">
               <a:rPr lang="en-SG" smtClean="0"/>
-              <a:t>14/4/2018</a:t>
+              <a:t>15/4/2018</a:t>
             </a:fld>
             <a:endParaRPr lang="en-SG"/>
           </a:p>
@@ -1148,7 +1148,7 @@
           <a:p>
             <a:fld id="{40C39A02-4836-4393-A3A4-9294DF1CF6ED}" type="datetimeFigureOut">
               <a:rPr lang="en-SG" smtClean="0"/>
-              <a:t>14/4/2018</a:t>
+              <a:t>15/4/2018</a:t>
             </a:fld>
             <a:endParaRPr lang="en-SG"/>
           </a:p>
@@ -1416,7 +1416,7 @@
           <a:p>
             <a:fld id="{40C39A02-4836-4393-A3A4-9294DF1CF6ED}" type="datetimeFigureOut">
               <a:rPr lang="en-SG" smtClean="0"/>
-              <a:t>14/4/2018</a:t>
+              <a:t>15/4/2018</a:t>
             </a:fld>
             <a:endParaRPr lang="en-SG"/>
           </a:p>
@@ -1831,7 +1831,7 @@
           <a:p>
             <a:fld id="{40C39A02-4836-4393-A3A4-9294DF1CF6ED}" type="datetimeFigureOut">
               <a:rPr lang="en-SG" smtClean="0"/>
-              <a:t>14/4/2018</a:t>
+              <a:t>15/4/2018</a:t>
             </a:fld>
             <a:endParaRPr lang="en-SG"/>
           </a:p>
@@ -1973,7 +1973,7 @@
           <a:p>
             <a:fld id="{40C39A02-4836-4393-A3A4-9294DF1CF6ED}" type="datetimeFigureOut">
               <a:rPr lang="en-SG" smtClean="0"/>
-              <a:t>14/4/2018</a:t>
+              <a:t>15/4/2018</a:t>
             </a:fld>
             <a:endParaRPr lang="en-SG"/>
           </a:p>
@@ -2086,7 +2086,7 @@
           <a:p>
             <a:fld id="{40C39A02-4836-4393-A3A4-9294DF1CF6ED}" type="datetimeFigureOut">
               <a:rPr lang="en-SG" smtClean="0"/>
-              <a:t>14/4/2018</a:t>
+              <a:t>15/4/2018</a:t>
             </a:fld>
             <a:endParaRPr lang="en-SG"/>
           </a:p>
@@ -2399,7 +2399,7 @@
           <a:p>
             <a:fld id="{40C39A02-4836-4393-A3A4-9294DF1CF6ED}" type="datetimeFigureOut">
               <a:rPr lang="en-SG" smtClean="0"/>
-              <a:t>14/4/2018</a:t>
+              <a:t>15/4/2018</a:t>
             </a:fld>
             <a:endParaRPr lang="en-SG"/>
           </a:p>
@@ -2688,7 +2688,7 @@
           <a:p>
             <a:fld id="{40C39A02-4836-4393-A3A4-9294DF1CF6ED}" type="datetimeFigureOut">
               <a:rPr lang="en-SG" smtClean="0"/>
-              <a:t>14/4/2018</a:t>
+              <a:t>15/4/2018</a:t>
             </a:fld>
             <a:endParaRPr lang="en-SG"/>
           </a:p>
@@ -2931,7 +2931,7 @@
           <a:p>
             <a:fld id="{40C39A02-4836-4393-A3A4-9294DF1CF6ED}" type="datetimeFigureOut">
               <a:rPr lang="en-SG" smtClean="0"/>
-              <a:t>14/4/2018</a:t>
+              <a:t>15/4/2018</a:t>
             </a:fld>
             <a:endParaRPr lang="en-SG"/>
           </a:p>
@@ -5193,117 +5193,25 @@
                 </a:solidFill>
                 <a:latin typeface="Calibri" panose="020F0502020204030204"/>
               </a:rPr>
-              <a:t> (Student, Tutor, Subject, Level, Price)</a:t>
-            </a:r>
-          </a:p>
-          <a:p>
-            <a:pPr marL="0" marR="0" lvl="0" indent="0" algn="ctr" defTabSz="914400" rtl="0" eaLnBrk="1" fontAlgn="auto" latinLnBrk="0" hangingPunct="1">
-              <a:lnSpc>
-                <a:spcPct val="100000"/>
-              </a:lnSpc>
-              <a:spcBef>
-                <a:spcPts val="0"/>
-              </a:spcBef>
-              <a:spcAft>
-                <a:spcPts val="0"/>
-              </a:spcAft>
-              <a:buClrTx/>
-              <a:buSzTx/>
-              <a:buFontTx/>
-              <a:buNone/>
-              <a:tabLst/>
-              <a:defRPr/>
-            </a:pPr>
-            <a:r>
-              <a:rPr lang="en-SG" sz="1400" dirty="0">
+              <a:t> (String</a:t>
+            </a:r>
+            <a:r>
+              <a:rPr lang="en-SG" sz="1400">
                 <a:solidFill>
                   <a:prstClr val="white"/>
                 </a:solidFill>
                 <a:latin typeface="Calibri" panose="020F0502020204030204"/>
               </a:rPr>
-              <a:t>+ </a:t>
-            </a:r>
-            <a:r>
-              <a:rPr lang="en-SG" sz="1400" dirty="0" err="1">
+              <a:t>, String, </a:t>
+            </a:r>
+            <a:r>
+              <a:rPr lang="en-SG" sz="1400" dirty="0">
                 <a:solidFill>
                   <a:prstClr val="white"/>
                 </a:solidFill>
                 <a:latin typeface="Calibri" panose="020F0502020204030204"/>
               </a:rPr>
-              <a:t>PairHash</a:t>
-            </a:r>
-            <a:r>
-              <a:rPr lang="en-SG" sz="1400" dirty="0">
-                <a:solidFill>
-                  <a:prstClr val="white"/>
-                </a:solidFill>
-                <a:latin typeface="Calibri" panose="020F0502020204030204"/>
-              </a:rPr>
-              <a:t> (String)</a:t>
-            </a:r>
-          </a:p>
-          <a:p>
-            <a:pPr marL="0" marR="0" lvl="0" indent="0" algn="ctr" defTabSz="914400" rtl="0" eaLnBrk="1" fontAlgn="auto" latinLnBrk="0" hangingPunct="1">
-              <a:lnSpc>
-                <a:spcPct val="100000"/>
-              </a:lnSpc>
-              <a:spcBef>
-                <a:spcPts val="0"/>
-              </a:spcBef>
-              <a:spcAft>
-                <a:spcPts val="0"/>
-              </a:spcAft>
-              <a:buClrTx/>
-              <a:buSzTx/>
-              <a:buFontTx/>
-              <a:buNone/>
-              <a:tabLst/>
-              <a:defRPr/>
-            </a:pPr>
-            <a:r>
-              <a:rPr lang="en-SG" sz="1400" dirty="0">
-                <a:solidFill>
-                  <a:prstClr val="white"/>
-                </a:solidFill>
-                <a:latin typeface="Calibri" panose="020F0502020204030204"/>
-              </a:rPr>
-              <a:t>+ </a:t>
-            </a:r>
-            <a:r>
-              <a:rPr lang="en-SG" sz="1400" dirty="0" err="1">
-                <a:solidFill>
-                  <a:prstClr val="white"/>
-                </a:solidFill>
-                <a:latin typeface="Calibri" panose="020F0502020204030204"/>
-              </a:rPr>
-              <a:t>PairHash</a:t>
-            </a:r>
-            <a:r>
-              <a:rPr lang="en-SG" sz="1400" dirty="0">
-                <a:solidFill>
-                  <a:prstClr val="white"/>
-                </a:solidFill>
-                <a:latin typeface="Calibri" panose="020F0502020204030204"/>
-              </a:rPr>
-              <a:t> (</a:t>
-            </a:r>
-            <a:r>
-              <a:rPr lang="en-SG" sz="1400" dirty="0" err="1">
-                <a:solidFill>
-                  <a:prstClr val="white"/>
-                </a:solidFill>
-                <a:latin typeface="Calibri" panose="020F0502020204030204"/>
-              </a:rPr>
-              <a:t>int</a:t>
-            </a:r>
-            <a:r>
-              <a:rPr lang="en-SG" sz="1400" dirty="0">
-                <a:solidFill>
-                  <a:prstClr val="white"/>
-                </a:solidFill>
-                <a:latin typeface="Calibri" panose="020F0502020204030204"/>
-              </a:rPr>
-              <a:t>)</a:t>
+              <a:t>Subject, Level, Price)</a:t>
             </a:r>
           </a:p>
           <a:p>
@@ -5704,31 +5612,6 @@
                 </a:solidFill>
               </a:rPr>
               <a:t>)</a:t>
-            </a:r>
-          </a:p>
-          <a:p>
-            <a:pPr marR="0" lvl="0" algn="ctr" defTabSz="914400" rtl="0" eaLnBrk="1" fontAlgn="auto" latinLnBrk="0" hangingPunct="1">
-              <a:lnSpc>
-                <a:spcPct val="100000"/>
-              </a:lnSpc>
-              <a:spcBef>
-                <a:spcPts val="0"/>
-              </a:spcBef>
-              <a:spcAft>
-                <a:spcPts val="0"/>
-              </a:spcAft>
-              <a:buClrTx/>
-              <a:buSzTx/>
-              <a:tabLst/>
-              <a:defRPr/>
-            </a:pPr>
-            <a:r>
-              <a:rPr lang="en-SG" sz="1400" dirty="0">
-                <a:solidFill>
-                  <a:prstClr val="white"/>
-                </a:solidFill>
-              </a:rPr>
-              <a:t>+ Pair (Person, Person, Subject, Level, Price)</a:t>
             </a:r>
           </a:p>
           <a:p>
